--- a/ppt/05 Android App的开发-用户界面基础.pptx
+++ b/ppt/05 Android App的开发-用户界面基础.pptx
@@ -5,7 +5,7 @@
     <p:sldMasterId id="2147483660" r:id="rId1"/>
   </p:sldMasterIdLst>
   <p:notesMasterIdLst>
-    <p:notesMasterId r:id="rId52"/>
+    <p:notesMasterId r:id="rId55"/>
   </p:notesMasterIdLst>
   <p:sldIdLst>
     <p:sldId id="256" r:id="rId2"/>
@@ -49,15 +49,18 @@
     <p:sldId id="363" r:id="rId40"/>
     <p:sldId id="362" r:id="rId41"/>
     <p:sldId id="365" r:id="rId42"/>
-    <p:sldId id="375" r:id="rId43"/>
-    <p:sldId id="367" r:id="rId44"/>
-    <p:sldId id="368" r:id="rId45"/>
-    <p:sldId id="369" r:id="rId46"/>
-    <p:sldId id="370" r:id="rId47"/>
-    <p:sldId id="371" r:id="rId48"/>
-    <p:sldId id="372" r:id="rId49"/>
-    <p:sldId id="366" r:id="rId50"/>
-    <p:sldId id="373" r:id="rId51"/>
+    <p:sldId id="376" r:id="rId43"/>
+    <p:sldId id="375" r:id="rId44"/>
+    <p:sldId id="367" r:id="rId45"/>
+    <p:sldId id="368" r:id="rId46"/>
+    <p:sldId id="369" r:id="rId47"/>
+    <p:sldId id="370" r:id="rId48"/>
+    <p:sldId id="371" r:id="rId49"/>
+    <p:sldId id="372" r:id="rId50"/>
+    <p:sldId id="366" r:id="rId51"/>
+    <p:sldId id="373" r:id="rId52"/>
+    <p:sldId id="377" r:id="rId53"/>
+    <p:sldId id="378" r:id="rId54"/>
   </p:sldIdLst>
   <p:sldSz cx="9144000" cy="5143500" type="screen16x9"/>
   <p:notesSz cx="6858000" cy="9144000"/>
@@ -241,7 +244,7 @@
           <a:p>
             <a:fld id="{C3E0EA16-9076-4FE5-8A1E-5E3165543917}" type="datetimeFigureOut">
               <a:rPr lang="zh-CN" altLang="en-US" smtClean="0"/>
-              <a:t>2019/4/4</a:t>
+              <a:t>2019/4/7</a:t>
             </a:fld>
             <a:endParaRPr lang="zh-CN" altLang="en-US"/>
           </a:p>
@@ -536,12 +539,7 @@
             <p:ph type="sldImg"/>
           </p:nvPr>
         </p:nvSpPr>
-        <p:spPr>
-          <a:xfrm>
-            <a:off x="381000" y="685800"/>
-            <a:ext cx="6096000" cy="3429000"/>
-          </a:xfrm>
-        </p:spPr>
+        <p:spPr/>
       </p:sp>
       <p:sp>
         <p:nvSpPr>
@@ -558,14 +556,6 @@
           <a:bodyPr/>
           <a:lstStyle/>
           <a:p>
-            <a:pPr>
-              <a:lnSpc>
-                <a:spcPct val="120000"/>
-              </a:lnSpc>
-              <a:spcAft>
-                <a:spcPts val="600"/>
-              </a:spcAft>
-            </a:pPr>
             <a:endParaRPr lang="zh-CN" altLang="en-US" dirty="0"/>
           </a:p>
         </p:txBody>
@@ -587,7 +577,7 @@
           <a:p>
             <a:fld id="{0C1F1DD4-9E55-4662-8770-743E8CF9A43E}" type="slidenum">
               <a:rPr lang="zh-CN" altLang="en-US" smtClean="0"/>
-              <a:t>4</a:t>
+              <a:t>1</a:t>
             </a:fld>
             <a:endParaRPr lang="zh-CN" altLang="en-US"/>
           </a:p>
@@ -596,7 +586,7 @@
     </p:spTree>
     <p:extLst>
       <p:ext uri="{BB962C8B-B14F-4D97-AF65-F5344CB8AC3E}">
-        <p14:creationId xmlns:p14="http://schemas.microsoft.com/office/powerpoint/2010/main" val="1720276770"/>
+        <p14:creationId xmlns:p14="http://schemas.microsoft.com/office/powerpoint/2010/main" val="2889264350"/>
       </p:ext>
     </p:extLst>
   </p:cSld>
@@ -650,6 +640,34 @@
           <a:bodyPr/>
           <a:lstStyle/>
           <a:p>
+            <a:r>
+              <a:rPr lang="zh-CN" altLang="en-US" dirty="0" smtClean="0"/>
+              <a:t>重点是</a:t>
+            </a:r>
+            <a:r>
+              <a:rPr lang="en-US" altLang="zh-CN" dirty="0" smtClean="0"/>
+              <a:t>id</a:t>
+            </a:r>
+            <a:r>
+              <a:rPr lang="zh-CN" altLang="en-US" dirty="0" smtClean="0"/>
+              <a:t>属性，</a:t>
+            </a:r>
+            <a:r>
+              <a:rPr lang="en-US" altLang="zh-CN" dirty="0" smtClean="0"/>
+              <a:t>id</a:t>
+            </a:r>
+            <a:r>
+              <a:rPr lang="zh-CN" altLang="en-US" dirty="0" smtClean="0"/>
+              <a:t>作用是唯一标示一个控件的，为什么要标示，因为可能会在</a:t>
+            </a:r>
+            <a:r>
+              <a:rPr lang="en-US" altLang="zh-CN" dirty="0" smtClean="0"/>
+              <a:t>Activity</a:t>
+            </a:r>
+            <a:r>
+              <a:rPr lang="zh-CN" altLang="en-US" dirty="0" smtClean="0"/>
+              <a:t>中使用到这个控件</a:t>
+            </a:r>
             <a:endParaRPr lang="zh-CN" altLang="en-US" dirty="0"/>
           </a:p>
         </p:txBody>
@@ -671,7 +689,7 @@
           <a:p>
             <a:fld id="{67AFED13-18EC-4853-B935-6E23F2540B2D}" type="slidenum">
               <a:rPr lang="zh-CN" altLang="en-US" smtClean="0"/>
-              <a:t>20</a:t>
+              <a:t>18</a:t>
             </a:fld>
             <a:endParaRPr lang="zh-CN" altLang="en-US"/>
           </a:p>
@@ -680,7 +698,7 @@
     </p:spTree>
     <p:extLst>
       <p:ext uri="{BB962C8B-B14F-4D97-AF65-F5344CB8AC3E}">
-        <p14:creationId xmlns:p14="http://schemas.microsoft.com/office/powerpoint/2010/main" val="4191761601"/>
+        <p14:creationId xmlns:p14="http://schemas.microsoft.com/office/powerpoint/2010/main" val="932137279"/>
       </p:ext>
     </p:extLst>
   </p:cSld>
@@ -734,6 +752,17 @@
           <a:bodyPr/>
           <a:lstStyle/>
           <a:p>
+            <a:r>
+              <a:rPr lang="zh-CN" altLang="en-US" dirty="0" smtClean="0"/>
+              <a:t>什么是事件</a:t>
+            </a:r>
+            <a:endParaRPr lang="en-US" altLang="zh-CN" dirty="0" smtClean="0"/>
+          </a:p>
+          <a:p>
+            <a:r>
+              <a:rPr lang="zh-CN" altLang="en-US" dirty="0" smtClean="0"/>
+              <a:t>什么是监听</a:t>
+            </a:r>
             <a:endParaRPr lang="zh-CN" altLang="en-US" dirty="0"/>
           </a:p>
         </p:txBody>
@@ -755,7 +784,7 @@
           <a:p>
             <a:fld id="{67AFED13-18EC-4853-B935-6E23F2540B2D}" type="slidenum">
               <a:rPr lang="zh-CN" altLang="en-US" smtClean="0"/>
-              <a:t>24</a:t>
+              <a:t>20</a:t>
             </a:fld>
             <a:endParaRPr lang="zh-CN" altLang="en-US"/>
           </a:p>
@@ -764,7 +793,7 @@
     </p:spTree>
     <p:extLst>
       <p:ext uri="{BB962C8B-B14F-4D97-AF65-F5344CB8AC3E}">
-        <p14:creationId xmlns:p14="http://schemas.microsoft.com/office/powerpoint/2010/main" val="2400868530"/>
+        <p14:creationId xmlns:p14="http://schemas.microsoft.com/office/powerpoint/2010/main" val="4191761601"/>
       </p:ext>
     </p:extLst>
   </p:cSld>
@@ -818,7 +847,7 @@
           <a:bodyPr/>
           <a:lstStyle/>
           <a:p>
-            <a:endParaRPr lang="en-US" altLang="zh-CN" dirty="0"/>
+            <a:endParaRPr lang="zh-CN" altLang="en-US" dirty="0"/>
           </a:p>
         </p:txBody>
       </p:sp>
@@ -839,7 +868,7 @@
           <a:p>
             <a:fld id="{67AFED13-18EC-4853-B935-6E23F2540B2D}" type="slidenum">
               <a:rPr lang="zh-CN" altLang="en-US" smtClean="0"/>
-              <a:t>25</a:t>
+              <a:t>24</a:t>
             </a:fld>
             <a:endParaRPr lang="zh-CN" altLang="en-US"/>
           </a:p>
@@ -848,7 +877,7 @@
     </p:spTree>
     <p:extLst>
       <p:ext uri="{BB962C8B-B14F-4D97-AF65-F5344CB8AC3E}">
-        <p14:creationId xmlns:p14="http://schemas.microsoft.com/office/powerpoint/2010/main" val="2817571521"/>
+        <p14:creationId xmlns:p14="http://schemas.microsoft.com/office/powerpoint/2010/main" val="2400868530"/>
       </p:ext>
     </p:extLst>
   </p:cSld>
@@ -902,7 +931,189 @@
           <a:bodyPr/>
           <a:lstStyle/>
           <a:p>
-            <a:endParaRPr lang="zh-CN" altLang="en-US" dirty="0"/>
+            <a:r>
+              <a:rPr lang="zh-CN" altLang="en-US" dirty="0"/>
+              <a:t>换一个事件，找一些常用的控件的常用事件 </a:t>
+            </a:r>
+            <a:endParaRPr lang="en-US" altLang="zh-CN" dirty="0"/>
+          </a:p>
+          <a:p>
+            <a:r>
+              <a:rPr lang="zh-CN" altLang="en-US" dirty="0"/>
+              <a:t>第</a:t>
+            </a:r>
+            <a:r>
+              <a:rPr lang="en-US" altLang="zh-CN" dirty="0"/>
+              <a:t>2</a:t>
+            </a:r>
+            <a:r>
+              <a:rPr lang="zh-CN" altLang="en-US" dirty="0"/>
+              <a:t>种方法</a:t>
+            </a:r>
+            <a:r>
+              <a:rPr lang="zh-CN" altLang="en-US" dirty="0" smtClean="0"/>
+              <a:t>：当前</a:t>
+            </a:r>
+            <a:r>
+              <a:rPr lang="en-US" altLang="zh-CN" dirty="0" smtClean="0"/>
+              <a:t>Activity</a:t>
+            </a:r>
+            <a:r>
+              <a:rPr lang="zh-CN" altLang="en-US" dirty="0" smtClean="0"/>
+              <a:t>实现</a:t>
+            </a:r>
+            <a:r>
+              <a:rPr lang="en-US" altLang="zh-CN" dirty="0" err="1" smtClean="0"/>
+              <a:t>OnClickListener</a:t>
+            </a:r>
+            <a:r>
+              <a:rPr lang="zh-CN" altLang="en-US" dirty="0" smtClean="0"/>
+              <a:t>接口</a:t>
+            </a:r>
+            <a:endParaRPr lang="en-US" altLang="zh-CN" dirty="0" smtClean="0"/>
+          </a:p>
+          <a:p>
+            <a:r>
+              <a:rPr lang="zh-CN" altLang="en-US" dirty="0" smtClean="0"/>
+              <a:t>第</a:t>
+            </a:r>
+            <a:r>
+              <a:rPr lang="en-US" altLang="zh-CN" dirty="0" smtClean="0"/>
+              <a:t>3</a:t>
+            </a:r>
+            <a:r>
+              <a:rPr lang="zh-CN" altLang="en-US" dirty="0" smtClean="0"/>
+              <a:t>种方法：在</a:t>
+            </a:r>
+            <a:r>
+              <a:rPr lang="en-US" altLang="zh-CN" dirty="0" smtClean="0"/>
+              <a:t>xml</a:t>
+            </a:r>
+            <a:r>
+              <a:rPr lang="zh-CN" altLang="en-US" dirty="0" smtClean="0"/>
+              <a:t>中设置</a:t>
+            </a:r>
+            <a:r>
+              <a:rPr lang="en-US" altLang="zh-CN" dirty="0" smtClean="0"/>
+              <a:t>button</a:t>
+            </a:r>
+            <a:r>
+              <a:rPr lang="zh-CN" altLang="en-US" dirty="0" smtClean="0"/>
+              <a:t>的</a:t>
+            </a:r>
+            <a:r>
+              <a:rPr lang="en-US" altLang="zh-CN" dirty="0" err="1" smtClean="0"/>
+              <a:t>onClick</a:t>
+            </a:r>
+            <a:r>
+              <a:rPr lang="zh-CN" altLang="en-US" dirty="0" smtClean="0"/>
+              <a:t>属性</a:t>
+            </a:r>
+            <a:endParaRPr lang="en-US" altLang="zh-CN" dirty="0" smtClean="0"/>
+          </a:p>
+          <a:p>
+            <a:r>
+              <a:rPr lang="zh-CN" altLang="en-US" dirty="0" smtClean="0"/>
+              <a:t>参数中的</a:t>
+            </a:r>
+            <a:r>
+              <a:rPr lang="en-US" altLang="zh-CN" dirty="0" smtClean="0"/>
+              <a:t>View</a:t>
+            </a:r>
+            <a:r>
+              <a:rPr lang="zh-CN" altLang="en-US" dirty="0" smtClean="0"/>
+              <a:t>就是事件源，哪个控件被点击就传入哪个控件</a:t>
+            </a:r>
+            <a:endParaRPr lang="en-US" altLang="zh-CN" dirty="0" smtClean="0"/>
+          </a:p>
+          <a:p>
+            <a:r>
+              <a:rPr lang="en-US" altLang="zh-CN" dirty="0" smtClean="0"/>
+              <a:t>        </a:t>
+            </a:r>
+            <a:r>
+              <a:rPr lang="en-US" altLang="zh-CN" dirty="0" err="1" smtClean="0"/>
+              <a:t>android:onClick</a:t>
+            </a:r>
+            <a:r>
+              <a:rPr lang="en-US" altLang="zh-CN" dirty="0" smtClean="0"/>
+              <a:t>="</a:t>
+            </a:r>
+            <a:r>
+              <a:rPr lang="en-US" altLang="zh-CN" dirty="0" err="1" smtClean="0"/>
+              <a:t>onButtonClick</a:t>
+            </a:r>
+            <a:r>
+              <a:rPr lang="en-US" altLang="zh-CN" dirty="0" smtClean="0"/>
+              <a:t>"</a:t>
+            </a:r>
+          </a:p>
+          <a:p>
+            <a:r>
+              <a:rPr lang="en-US" altLang="zh-CN" dirty="0" smtClean="0"/>
+              <a:t>public void </a:t>
+            </a:r>
+            <a:r>
+              <a:rPr lang="en-US" altLang="zh-CN" dirty="0" err="1" smtClean="0"/>
+              <a:t>onButtonClick</a:t>
+            </a:r>
+            <a:r>
+              <a:rPr lang="en-US" altLang="zh-CN" dirty="0" smtClean="0"/>
+              <a:t>(View view){</a:t>
+            </a:r>
+          </a:p>
+          <a:p>
+            <a:r>
+              <a:rPr lang="en-US" altLang="zh-CN" dirty="0" smtClean="0"/>
+              <a:t>     </a:t>
+            </a:r>
+            <a:r>
+              <a:rPr lang="en-US" altLang="zh-CN" dirty="0" err="1" smtClean="0"/>
+              <a:t>Toast.makeText</a:t>
+            </a:r>
+            <a:r>
+              <a:rPr lang="en-US" altLang="zh-CN" dirty="0" smtClean="0"/>
+              <a:t>(</a:t>
+            </a:r>
+            <a:r>
+              <a:rPr lang="en-US" altLang="zh-CN" dirty="0" err="1" smtClean="0"/>
+              <a:t>MainActivity.this</a:t>
+            </a:r>
+            <a:r>
+              <a:rPr lang="en-US" altLang="zh-CN" dirty="0" smtClean="0"/>
+              <a:t>, </a:t>
+            </a:r>
+            <a:r>
+              <a:rPr lang="en-US" altLang="zh-CN" dirty="0" err="1" smtClean="0"/>
+              <a:t>view.getId</a:t>
+            </a:r>
+            <a:r>
+              <a:rPr lang="en-US" altLang="zh-CN" dirty="0" smtClean="0"/>
+              <a:t>()+"", </a:t>
+            </a:r>
+            <a:r>
+              <a:rPr lang="en-US" altLang="zh-CN" dirty="0" err="1" smtClean="0"/>
+              <a:t>Toast.LENGTH_LONG</a:t>
+            </a:r>
+            <a:r>
+              <a:rPr lang="en-US" altLang="zh-CN" dirty="0" smtClean="0"/>
+              <a:t>).show();</a:t>
+            </a:r>
+          </a:p>
+          <a:p>
+            <a:r>
+              <a:rPr lang="en-US" altLang="zh-CN" dirty="0" smtClean="0"/>
+              <a:t>    }</a:t>
+            </a:r>
+          </a:p>
+          <a:p>
+            <a:r>
+              <a:rPr lang="en-US" altLang="zh-CN" dirty="0" smtClean="0"/>
+              <a:t> </a:t>
+            </a:r>
+          </a:p>
+          <a:p>
+            <a:endParaRPr lang="en-US" altLang="zh-CN" dirty="0"/>
           </a:p>
         </p:txBody>
       </p:sp>
@@ -923,7 +1134,7 @@
           <a:p>
             <a:fld id="{67AFED13-18EC-4853-B935-6E23F2540B2D}" type="slidenum">
               <a:rPr lang="zh-CN" altLang="en-US" smtClean="0"/>
-              <a:t>26</a:t>
+              <a:t>25</a:t>
             </a:fld>
             <a:endParaRPr lang="zh-CN" altLang="en-US"/>
           </a:p>
@@ -932,7 +1143,7 @@
     </p:spTree>
     <p:extLst>
       <p:ext uri="{BB962C8B-B14F-4D97-AF65-F5344CB8AC3E}">
-        <p14:creationId xmlns:p14="http://schemas.microsoft.com/office/powerpoint/2010/main" val="2470357146"/>
+        <p14:creationId xmlns:p14="http://schemas.microsoft.com/office/powerpoint/2010/main" val="2817571521"/>
       </p:ext>
     </p:extLst>
   </p:cSld>
@@ -986,7 +1197,20 @@
           <a:bodyPr/>
           <a:lstStyle/>
           <a:p>
-            <a:endParaRPr lang="zh-CN" altLang="en-US" dirty="0"/>
+            <a:r>
+              <a:rPr lang="zh-CN" altLang="en-US" dirty="0"/>
+              <a:t>原理性的东西：比如事件监听器的执行过程（以图表形式展示较好）</a:t>
+            </a:r>
+            <a:endParaRPr lang="en-US" altLang="zh-CN" dirty="0"/>
+          </a:p>
+          <a:p>
+            <a:endParaRPr lang="en-US" altLang="zh-CN" dirty="0"/>
+          </a:p>
+          <a:p>
+            <a:r>
+              <a:rPr lang="zh-CN" altLang="en-US" dirty="0"/>
+              <a:t>把握住重点，不要过细</a:t>
+            </a:r>
           </a:p>
         </p:txBody>
       </p:sp>
@@ -1007,7 +1231,7 @@
           <a:p>
             <a:fld id="{67AFED13-18EC-4853-B935-6E23F2540B2D}" type="slidenum">
               <a:rPr lang="zh-CN" altLang="en-US" smtClean="0"/>
-              <a:t>34</a:t>
+              <a:t>26</a:t>
             </a:fld>
             <a:endParaRPr lang="zh-CN" altLang="en-US"/>
           </a:p>
@@ -1016,7 +1240,7 @@
     </p:spTree>
     <p:extLst>
       <p:ext uri="{BB962C8B-B14F-4D97-AF65-F5344CB8AC3E}">
-        <p14:creationId xmlns:p14="http://schemas.microsoft.com/office/powerpoint/2010/main" val="3176048685"/>
+        <p14:creationId xmlns:p14="http://schemas.microsoft.com/office/powerpoint/2010/main" val="2470357146"/>
       </p:ext>
     </p:extLst>
   </p:cSld>
@@ -1091,7 +1315,7 @@
           <a:p>
             <a:fld id="{67AFED13-18EC-4853-B935-6E23F2540B2D}" type="slidenum">
               <a:rPr lang="zh-CN" altLang="en-US" smtClean="0"/>
-              <a:t>35</a:t>
+              <a:t>34</a:t>
             </a:fld>
             <a:endParaRPr lang="zh-CN" altLang="en-US"/>
           </a:p>
@@ -1100,7 +1324,7 @@
     </p:spTree>
     <p:extLst>
       <p:ext uri="{BB962C8B-B14F-4D97-AF65-F5344CB8AC3E}">
-        <p14:creationId xmlns:p14="http://schemas.microsoft.com/office/powerpoint/2010/main" val="4059710979"/>
+        <p14:creationId xmlns:p14="http://schemas.microsoft.com/office/powerpoint/2010/main" val="3176048685"/>
       </p:ext>
     </p:extLst>
   </p:cSld>
@@ -1175,7 +1399,7 @@
           <a:p>
             <a:fld id="{67AFED13-18EC-4853-B935-6E23F2540B2D}" type="slidenum">
               <a:rPr lang="zh-CN" altLang="en-US" smtClean="0"/>
-              <a:t>36</a:t>
+              <a:t>35</a:t>
             </a:fld>
             <a:endParaRPr lang="zh-CN" altLang="en-US"/>
           </a:p>
@@ -1184,7 +1408,7 @@
     </p:spTree>
     <p:extLst>
       <p:ext uri="{BB962C8B-B14F-4D97-AF65-F5344CB8AC3E}">
-        <p14:creationId xmlns:p14="http://schemas.microsoft.com/office/powerpoint/2010/main" val="4272701266"/>
+        <p14:creationId xmlns:p14="http://schemas.microsoft.com/office/powerpoint/2010/main" val="4059710979"/>
       </p:ext>
     </p:extLst>
   </p:cSld>
@@ -1259,7 +1483,7 @@
           <a:p>
             <a:fld id="{67AFED13-18EC-4853-B935-6E23F2540B2D}" type="slidenum">
               <a:rPr lang="zh-CN" altLang="en-US" smtClean="0"/>
-              <a:t>37</a:t>
+              <a:t>36</a:t>
             </a:fld>
             <a:endParaRPr lang="zh-CN" altLang="en-US"/>
           </a:p>
@@ -1268,7 +1492,7 @@
     </p:spTree>
     <p:extLst>
       <p:ext uri="{BB962C8B-B14F-4D97-AF65-F5344CB8AC3E}">
-        <p14:creationId xmlns:p14="http://schemas.microsoft.com/office/powerpoint/2010/main" val="4160538392"/>
+        <p14:creationId xmlns:p14="http://schemas.microsoft.com/office/powerpoint/2010/main" val="4272701266"/>
       </p:ext>
     </p:extLst>
   </p:cSld>
@@ -1343,6 +1567,90 @@
           <a:p>
             <a:fld id="{67AFED13-18EC-4853-B935-6E23F2540B2D}" type="slidenum">
               <a:rPr lang="zh-CN" altLang="en-US" smtClean="0"/>
+              <a:t>37</a:t>
+            </a:fld>
+            <a:endParaRPr lang="zh-CN" altLang="en-US"/>
+          </a:p>
+        </p:txBody>
+      </p:sp>
+    </p:spTree>
+    <p:extLst>
+      <p:ext uri="{BB962C8B-B14F-4D97-AF65-F5344CB8AC3E}">
+        <p14:creationId xmlns:p14="http://schemas.microsoft.com/office/powerpoint/2010/main" val="4160538392"/>
+      </p:ext>
+    </p:extLst>
+  </p:cSld>
+  <p:clrMapOvr>
+    <a:masterClrMapping/>
+  </p:clrMapOvr>
+</p:notes>
+</file>
+
+<file path=ppt/notesSlides/notesSlide19.xml><?xml version="1.0" encoding="utf-8"?>
+<p:notes xmlns:a="http://schemas.openxmlformats.org/drawingml/2006/main" xmlns:r="http://schemas.openxmlformats.org/officeDocument/2006/relationships" xmlns:p="http://schemas.openxmlformats.org/presentationml/2006/main">
+  <p:cSld>
+    <p:spTree>
+      <p:nvGrpSpPr>
+        <p:cNvPr id="1" name=""/>
+        <p:cNvGrpSpPr/>
+        <p:nvPr/>
+      </p:nvGrpSpPr>
+      <p:grpSpPr>
+        <a:xfrm>
+          <a:off x="0" y="0"/>
+          <a:ext cx="0" cy="0"/>
+          <a:chOff x="0" y="0"/>
+          <a:chExt cx="0" cy="0"/>
+        </a:xfrm>
+      </p:grpSpPr>
+      <p:sp>
+        <p:nvSpPr>
+          <p:cNvPr id="2" name="幻灯片图像占位符 1"/>
+          <p:cNvSpPr>
+            <a:spLocks noGrp="1" noRot="1" noChangeAspect="1"/>
+          </p:cNvSpPr>
+          <p:nvPr>
+            <p:ph type="sldImg"/>
+          </p:nvPr>
+        </p:nvSpPr>
+        <p:spPr/>
+      </p:sp>
+      <p:sp>
+        <p:nvSpPr>
+          <p:cNvPr id="3" name="备注占位符 2"/>
+          <p:cNvSpPr>
+            <a:spLocks noGrp="1"/>
+          </p:cNvSpPr>
+          <p:nvPr>
+            <p:ph type="body" idx="1"/>
+          </p:nvPr>
+        </p:nvSpPr>
+        <p:spPr/>
+        <p:txBody>
+          <a:bodyPr/>
+          <a:lstStyle/>
+          <a:p>
+            <a:endParaRPr lang="zh-CN" altLang="en-US" dirty="0"/>
+          </a:p>
+        </p:txBody>
+      </p:sp>
+      <p:sp>
+        <p:nvSpPr>
+          <p:cNvPr id="4" name="灯片编号占位符 3"/>
+          <p:cNvSpPr>
+            <a:spLocks noGrp="1"/>
+          </p:cNvSpPr>
+          <p:nvPr>
+            <p:ph type="sldNum" sz="quarter" idx="10"/>
+          </p:nvPr>
+        </p:nvSpPr>
+        <p:spPr/>
+        <p:txBody>
+          <a:bodyPr/>
+          <a:lstStyle/>
+          <a:p>
+            <a:fld id="{67AFED13-18EC-4853-B935-6E23F2540B2D}" type="slidenum">
+              <a:rPr lang="zh-CN" altLang="en-US" smtClean="0"/>
               <a:t>38</a:t>
             </a:fld>
             <a:endParaRPr lang="zh-CN" altLang="en-US"/>
@@ -1362,7 +1670,7 @@
 </p:notes>
 </file>
 
-<file path=ppt/notesSlides/notesSlide19.xml><?xml version="1.0" encoding="utf-8"?>
+<file path=ppt/notesSlides/notesSlide2.xml><?xml version="1.0" encoding="utf-8"?>
 <p:notes xmlns:a="http://schemas.openxmlformats.org/drawingml/2006/main" xmlns:r="http://schemas.openxmlformats.org/officeDocument/2006/relationships" xmlns:p="http://schemas.openxmlformats.org/presentationml/2006/main">
   <p:cSld>
     <p:spTree>
@@ -1411,9 +1719,168 @@
           <a:bodyPr/>
           <a:lstStyle/>
           <a:p>
-            <a:pPr marL="228600" indent="-228600">
-              <a:buAutoNum type="arabicPeriod"/>
+            <a:pPr>
+              <a:lnSpc>
+                <a:spcPct val="120000"/>
+              </a:lnSpc>
+              <a:spcAft>
+                <a:spcPts val="600"/>
+              </a:spcAft>
             </a:pPr>
+            <a:r>
+              <a:rPr lang="en-US" altLang="zh-CN" sz="3200" dirty="0" smtClean="0"/>
+              <a:t>M</a:t>
+            </a:r>
+            <a:r>
+              <a:rPr lang="zh-CN" altLang="en-US" sz="3200" dirty="0" smtClean="0"/>
+              <a:t>层：适合做一些业务逻辑处理，比如</a:t>
+            </a:r>
+            <a:r>
+              <a:rPr lang="zh-CN" altLang="en-US" sz="3200" dirty="0" smtClean="0">
+                <a:hlinkClick r:id="rId3"/>
+              </a:rPr>
+              <a:t>数据库</a:t>
+            </a:r>
+            <a:r>
+              <a:rPr lang="zh-CN" altLang="en-US" sz="3200" dirty="0" smtClean="0"/>
+              <a:t>存取操作，网络操作，复杂的算法，耗时的任务等都在</a:t>
+            </a:r>
+            <a:r>
+              <a:rPr lang="en-US" altLang="zh-CN" sz="3200" dirty="0" smtClean="0"/>
+              <a:t>model</a:t>
+            </a:r>
+            <a:r>
+              <a:rPr lang="zh-CN" altLang="en-US" sz="3200" dirty="0" smtClean="0"/>
+              <a:t>层处理。 </a:t>
+            </a:r>
+            <a:r>
+              <a:rPr lang="en-US" altLang="zh-CN" sz="3200" dirty="0" smtClean="0"/>
+              <a:t>V</a:t>
+            </a:r>
+            <a:r>
+              <a:rPr lang="zh-CN" altLang="en-US" sz="3200" dirty="0" smtClean="0"/>
+              <a:t>层：应用层中处理数据显示的部分，</a:t>
+            </a:r>
+            <a:r>
+              <a:rPr lang="en-US" altLang="zh-CN" sz="3200" dirty="0" smtClean="0"/>
+              <a:t>XML</a:t>
+            </a:r>
+            <a:r>
+              <a:rPr lang="zh-CN" altLang="en-US" sz="3200" dirty="0" smtClean="0"/>
+              <a:t>布局可以视为</a:t>
+            </a:r>
+            <a:r>
+              <a:rPr lang="en-US" altLang="zh-CN" sz="3200" dirty="0" smtClean="0"/>
+              <a:t>V</a:t>
+            </a:r>
+            <a:r>
+              <a:rPr lang="zh-CN" altLang="en-US" sz="3200" dirty="0" smtClean="0"/>
+              <a:t>层，显示</a:t>
+            </a:r>
+            <a:r>
+              <a:rPr lang="en-US" altLang="zh-CN" sz="3200" dirty="0" smtClean="0"/>
+              <a:t>Model</a:t>
+            </a:r>
+            <a:r>
+              <a:rPr lang="zh-CN" altLang="en-US" sz="3200" dirty="0" smtClean="0"/>
+              <a:t>层的数据结果。 </a:t>
+            </a:r>
+            <a:r>
+              <a:rPr lang="en-US" altLang="zh-CN" sz="3200" dirty="0" smtClean="0"/>
+              <a:t>C</a:t>
+            </a:r>
+            <a:r>
+              <a:rPr lang="zh-CN" altLang="en-US" sz="3200" dirty="0" smtClean="0"/>
+              <a:t>层：在</a:t>
+            </a:r>
+            <a:r>
+              <a:rPr lang="en-US" altLang="zh-CN" sz="3200" dirty="0" smtClean="0"/>
+              <a:t>Android</a:t>
+            </a:r>
+            <a:r>
+              <a:rPr lang="zh-CN" altLang="en-US" sz="3200" dirty="0" smtClean="0"/>
+              <a:t>中，</a:t>
+            </a:r>
+            <a:r>
+              <a:rPr lang="en-US" altLang="zh-CN" sz="3200" dirty="0" smtClean="0"/>
+              <a:t>Activity</a:t>
+            </a:r>
+            <a:r>
+              <a:rPr lang="zh-CN" altLang="en-US" sz="3200" dirty="0" smtClean="0"/>
+              <a:t>处理用户交互问题，因此可以认为</a:t>
+            </a:r>
+            <a:r>
+              <a:rPr lang="en-US" altLang="zh-CN" sz="3200" dirty="0" smtClean="0"/>
+              <a:t>Activity</a:t>
+            </a:r>
+            <a:r>
+              <a:rPr lang="zh-CN" altLang="en-US" sz="3200" dirty="0" smtClean="0"/>
+              <a:t>是控制器，</a:t>
+            </a:r>
+            <a:r>
+              <a:rPr lang="en-US" altLang="zh-CN" sz="3200" dirty="0" smtClean="0"/>
+              <a:t>Activity</a:t>
+            </a:r>
+            <a:r>
+              <a:rPr lang="zh-CN" altLang="en-US" sz="3200" dirty="0" smtClean="0"/>
+              <a:t>读取</a:t>
+            </a:r>
+            <a:r>
+              <a:rPr lang="en-US" altLang="zh-CN" sz="3200" dirty="0" smtClean="0"/>
+              <a:t>V</a:t>
+            </a:r>
+            <a:r>
+              <a:rPr lang="zh-CN" altLang="en-US" sz="3200" dirty="0" smtClean="0"/>
+              <a:t>视图层的数据（</a:t>
+            </a:r>
+            <a:r>
+              <a:rPr lang="en-US" altLang="zh-CN" sz="3200" dirty="0" err="1" smtClean="0"/>
+              <a:t>eg</a:t>
+            </a:r>
+            <a:r>
+              <a:rPr lang="en-US" altLang="zh-CN" sz="3200" dirty="0" smtClean="0"/>
+              <a:t>.</a:t>
+            </a:r>
+            <a:r>
+              <a:rPr lang="zh-CN" altLang="en-US" sz="3200" dirty="0" smtClean="0"/>
+              <a:t>读取当前</a:t>
+            </a:r>
+            <a:r>
+              <a:rPr lang="en-US" altLang="zh-CN" sz="3200" dirty="0" err="1" smtClean="0"/>
+              <a:t>EditText</a:t>
+            </a:r>
+            <a:r>
+              <a:rPr lang="zh-CN" altLang="en-US" sz="3200" dirty="0" smtClean="0"/>
+              <a:t>控件的数据），控制用户输入（</a:t>
+            </a:r>
+            <a:r>
+              <a:rPr lang="en-US" altLang="zh-CN" sz="3200" dirty="0" err="1" smtClean="0"/>
+              <a:t>eg.EditText</a:t>
+            </a:r>
+            <a:r>
+              <a:rPr lang="zh-CN" altLang="en-US" sz="3200" dirty="0" smtClean="0"/>
+              <a:t>控件数据的输入），并向</a:t>
+            </a:r>
+            <a:r>
+              <a:rPr lang="en-US" altLang="zh-CN" sz="3200" dirty="0" smtClean="0"/>
+              <a:t>Model</a:t>
+            </a:r>
+            <a:r>
+              <a:rPr lang="zh-CN" altLang="en-US" sz="3200" dirty="0" smtClean="0"/>
+              <a:t>发送数据请求（</a:t>
+            </a:r>
+            <a:r>
+              <a:rPr lang="en-US" altLang="zh-CN" sz="3200" dirty="0" err="1" smtClean="0"/>
+              <a:t>eg</a:t>
+            </a:r>
+            <a:r>
+              <a:rPr lang="en-US" altLang="zh-CN" sz="3200" dirty="0" smtClean="0"/>
+              <a:t>.</a:t>
+            </a:r>
+            <a:r>
+              <a:rPr lang="zh-CN" altLang="en-US" sz="3200" dirty="0" smtClean="0"/>
+              <a:t>发起网络请求等）。</a:t>
+            </a:r>
             <a:endParaRPr lang="zh-CN" altLang="en-US" dirty="0"/>
           </a:p>
         </p:txBody>
@@ -1433,9 +1900,9 @@
           <a:bodyPr/>
           <a:lstStyle/>
           <a:p>
-            <a:fld id="{67AFED13-18EC-4853-B935-6E23F2540B2D}" type="slidenum">
+            <a:fld id="{0C1F1DD4-9E55-4662-8770-743E8CF9A43E}" type="slidenum">
               <a:rPr lang="zh-CN" altLang="en-US" smtClean="0"/>
-              <a:t>40</a:t>
+              <a:t>4</a:t>
             </a:fld>
             <a:endParaRPr lang="zh-CN" altLang="en-US"/>
           </a:p>
@@ -1444,91 +1911,7 @@
     </p:spTree>
     <p:extLst>
       <p:ext uri="{BB962C8B-B14F-4D97-AF65-F5344CB8AC3E}">
-        <p14:creationId xmlns:p14="http://schemas.microsoft.com/office/powerpoint/2010/main" val="4168583243"/>
-      </p:ext>
-    </p:extLst>
-  </p:cSld>
-  <p:clrMapOvr>
-    <a:masterClrMapping/>
-  </p:clrMapOvr>
-</p:notes>
-</file>
-
-<file path=ppt/notesSlides/notesSlide2.xml><?xml version="1.0" encoding="utf-8"?>
-<p:notes xmlns:a="http://schemas.openxmlformats.org/drawingml/2006/main" xmlns:r="http://schemas.openxmlformats.org/officeDocument/2006/relationships" xmlns:p="http://schemas.openxmlformats.org/presentationml/2006/main">
-  <p:cSld>
-    <p:spTree>
-      <p:nvGrpSpPr>
-        <p:cNvPr id="1" name=""/>
-        <p:cNvGrpSpPr/>
-        <p:nvPr/>
-      </p:nvGrpSpPr>
-      <p:grpSpPr>
-        <a:xfrm>
-          <a:off x="0" y="0"/>
-          <a:ext cx="0" cy="0"/>
-          <a:chOff x="0" y="0"/>
-          <a:chExt cx="0" cy="0"/>
-        </a:xfrm>
-      </p:grpSpPr>
-      <p:sp>
-        <p:nvSpPr>
-          <p:cNvPr id="2" name="幻灯片图像占位符 1"/>
-          <p:cNvSpPr>
-            <a:spLocks noGrp="1" noRot="1" noChangeAspect="1"/>
-          </p:cNvSpPr>
-          <p:nvPr>
-            <p:ph type="sldImg"/>
-          </p:nvPr>
-        </p:nvSpPr>
-        <p:spPr/>
-      </p:sp>
-      <p:sp>
-        <p:nvSpPr>
-          <p:cNvPr id="3" name="备注占位符 2"/>
-          <p:cNvSpPr>
-            <a:spLocks noGrp="1"/>
-          </p:cNvSpPr>
-          <p:nvPr>
-            <p:ph type="body" idx="1"/>
-          </p:nvPr>
-        </p:nvSpPr>
-        <p:spPr/>
-        <p:txBody>
-          <a:bodyPr/>
-          <a:lstStyle/>
-          <a:p>
-            <a:endParaRPr lang="zh-CN" altLang="en-US" dirty="0"/>
-          </a:p>
-        </p:txBody>
-      </p:sp>
-      <p:sp>
-        <p:nvSpPr>
-          <p:cNvPr id="4" name="灯片编号占位符 3"/>
-          <p:cNvSpPr>
-            <a:spLocks noGrp="1"/>
-          </p:cNvSpPr>
-          <p:nvPr>
-            <p:ph type="sldNum" sz="quarter" idx="10"/>
-          </p:nvPr>
-        </p:nvSpPr>
-        <p:spPr/>
-        <p:txBody>
-          <a:bodyPr/>
-          <a:lstStyle/>
-          <a:p>
-            <a:fld id="{0C1F1DD4-9E55-4662-8770-743E8CF9A43E}" type="slidenum">
-              <a:rPr lang="zh-CN" altLang="en-US" smtClean="0"/>
-              <a:t>5</a:t>
-            </a:fld>
-            <a:endParaRPr lang="zh-CN" altLang="en-US"/>
-          </a:p>
-        </p:txBody>
-      </p:sp>
-    </p:spTree>
-    <p:extLst>
-      <p:ext uri="{BB962C8B-B14F-4D97-AF65-F5344CB8AC3E}">
-        <p14:creationId xmlns:p14="http://schemas.microsoft.com/office/powerpoint/2010/main" val="1067060227"/>
+        <p14:creationId xmlns:p14="http://schemas.microsoft.com/office/powerpoint/2010/main" val="1720276770"/>
       </p:ext>
     </p:extLst>
   </p:cSld>
@@ -1587,6 +1970,83 @@
           <a:bodyPr/>
           <a:lstStyle/>
           <a:p>
+            <a:pPr marL="228600" indent="-228600">
+              <a:buAutoNum type="arabicPeriod"/>
+            </a:pPr>
+            <a:r>
+              <a:rPr lang="en-US" altLang="zh-CN" dirty="0" smtClean="0"/>
+              <a:t>View</a:t>
+            </a:r>
+            <a:r>
+              <a:rPr lang="zh-CN" altLang="en-US" dirty="0" smtClean="0"/>
+              <a:t>控件说明要在界面中显示什么</a:t>
+            </a:r>
+            <a:endParaRPr lang="en-US" altLang="zh-CN" dirty="0" smtClean="0"/>
+          </a:p>
+          <a:p>
+            <a:pPr marL="228600" indent="-228600">
+              <a:buAutoNum type="arabicPeriod"/>
+            </a:pPr>
+            <a:endParaRPr lang="en-US" altLang="zh-CN" dirty="0" smtClean="0"/>
+          </a:p>
+          <a:p>
+            <a:pPr marL="228600" indent="-228600">
+              <a:buAutoNum type="arabicPeriod"/>
+            </a:pPr>
+            <a:r>
+              <a:rPr lang="en-US" altLang="zh-CN" dirty="0" err="1" smtClean="0"/>
+              <a:t>ViewGroup</a:t>
+            </a:r>
+            <a:r>
+              <a:rPr lang="zh-CN" altLang="en-US" dirty="0" smtClean="0"/>
+              <a:t>布局说明如何显示这些</a:t>
+            </a:r>
+            <a:r>
+              <a:rPr lang="en-US" altLang="zh-CN" dirty="0" smtClean="0"/>
+              <a:t>View</a:t>
+            </a:r>
+            <a:r>
+              <a:rPr lang="zh-CN" altLang="en-US" dirty="0" smtClean="0"/>
+              <a:t>控件</a:t>
+            </a:r>
+            <a:endParaRPr lang="en-US" altLang="zh-CN" dirty="0" smtClean="0"/>
+          </a:p>
+          <a:p>
+            <a:pPr marL="228600" indent="-228600">
+              <a:buAutoNum type="arabicPeriod"/>
+            </a:pPr>
+            <a:r>
+              <a:rPr lang="en-US" altLang="zh-CN" b="1" dirty="0" smtClean="0"/>
+              <a:t>Space</a:t>
+            </a:r>
+            <a:r>
+              <a:rPr lang="zh-CN" altLang="en-US" dirty="0" smtClean="0"/>
+              <a:t>控件是在</a:t>
+            </a:r>
+            <a:r>
+              <a:rPr lang="en-US" altLang="zh-CN" dirty="0" smtClean="0"/>
+              <a:t>Android 4.0</a:t>
+            </a:r>
+            <a:r>
+              <a:rPr lang="zh-CN" altLang="en-US" dirty="0" smtClean="0"/>
+              <a:t>中加入，是个空白的</a:t>
+            </a:r>
+            <a:r>
+              <a:rPr lang="en-US" altLang="zh-CN" dirty="0" smtClean="0"/>
+              <a:t>view</a:t>
+            </a:r>
+            <a:r>
+              <a:rPr lang="zh-CN" altLang="en-US" dirty="0" smtClean="0"/>
+              <a:t>，一般用于填充</a:t>
+            </a:r>
+            <a:r>
+              <a:rPr lang="en-US" altLang="zh-CN" dirty="0" smtClean="0"/>
+              <a:t>View</a:t>
+            </a:r>
+            <a:r>
+              <a:rPr lang="zh-CN" altLang="en-US" dirty="0" smtClean="0"/>
+              <a:t>组件中的间隙</a:t>
+            </a:r>
             <a:endParaRPr lang="zh-CN" altLang="en-US" dirty="0"/>
           </a:p>
         </p:txBody>
@@ -1608,6 +2068,119 @@
           <a:p>
             <a:fld id="{67AFED13-18EC-4853-B935-6E23F2540B2D}" type="slidenum">
               <a:rPr lang="zh-CN" altLang="en-US" smtClean="0"/>
+              <a:t>40</a:t>
+            </a:fld>
+            <a:endParaRPr lang="zh-CN" altLang="en-US"/>
+          </a:p>
+        </p:txBody>
+      </p:sp>
+    </p:spTree>
+    <p:extLst>
+      <p:ext uri="{BB962C8B-B14F-4D97-AF65-F5344CB8AC3E}">
+        <p14:creationId xmlns:p14="http://schemas.microsoft.com/office/powerpoint/2010/main" val="4168583243"/>
+      </p:ext>
+    </p:extLst>
+  </p:cSld>
+  <p:clrMapOvr>
+    <a:masterClrMapping/>
+  </p:clrMapOvr>
+</p:notes>
+</file>
+
+<file path=ppt/notesSlides/notesSlide21.xml><?xml version="1.0" encoding="utf-8"?>
+<p:notes xmlns:a="http://schemas.openxmlformats.org/drawingml/2006/main" xmlns:r="http://schemas.openxmlformats.org/officeDocument/2006/relationships" xmlns:p="http://schemas.openxmlformats.org/presentationml/2006/main">
+  <p:cSld>
+    <p:spTree>
+      <p:nvGrpSpPr>
+        <p:cNvPr id="1" name=""/>
+        <p:cNvGrpSpPr/>
+        <p:nvPr/>
+      </p:nvGrpSpPr>
+      <p:grpSpPr>
+        <a:xfrm>
+          <a:off x="0" y="0"/>
+          <a:ext cx="0" cy="0"/>
+          <a:chOff x="0" y="0"/>
+          <a:chExt cx="0" cy="0"/>
+        </a:xfrm>
+      </p:grpSpPr>
+      <p:sp>
+        <p:nvSpPr>
+          <p:cNvPr id="2" name="幻灯片图像占位符 1"/>
+          <p:cNvSpPr>
+            <a:spLocks noGrp="1" noRot="1" noChangeAspect="1"/>
+          </p:cNvSpPr>
+          <p:nvPr>
+            <p:ph type="sldImg"/>
+          </p:nvPr>
+        </p:nvSpPr>
+        <p:spPr>
+          <a:xfrm>
+            <a:off x="381000" y="685800"/>
+            <a:ext cx="6096000" cy="3429000"/>
+          </a:xfrm>
+        </p:spPr>
+      </p:sp>
+      <p:sp>
+        <p:nvSpPr>
+          <p:cNvPr id="3" name="备注占位符 2"/>
+          <p:cNvSpPr>
+            <a:spLocks noGrp="1"/>
+          </p:cNvSpPr>
+          <p:nvPr>
+            <p:ph type="body" idx="1"/>
+          </p:nvPr>
+        </p:nvSpPr>
+        <p:spPr/>
+        <p:txBody>
+          <a:bodyPr/>
+          <a:lstStyle/>
+          <a:p>
+            <a:r>
+              <a:rPr lang="en-US" altLang="zh-CN" dirty="0" smtClean="0"/>
+              <a:t>Guideline</a:t>
+            </a:r>
+            <a:r>
+              <a:rPr lang="zh-CN" altLang="en-US" dirty="0" smtClean="0"/>
+              <a:t>是只能用在</a:t>
+            </a:r>
+            <a:r>
+              <a:rPr lang="en-US" altLang="zh-CN" dirty="0" smtClean="0"/>
+              <a:t>ConstraintLayout</a:t>
+            </a:r>
+            <a:r>
+              <a:rPr lang="zh-CN" altLang="en-US" dirty="0" smtClean="0"/>
+              <a:t>布局里面的一个工具类，用于辅助布局，类似为辅助线，可以设置</a:t>
+            </a:r>
+            <a:r>
+              <a:rPr lang="en-US" altLang="zh-CN" dirty="0" err="1" smtClean="0"/>
+              <a:t>android:orientation</a:t>
+            </a:r>
+            <a:r>
+              <a:rPr lang="zh-CN" altLang="en-US" dirty="0" smtClean="0"/>
+              <a:t>属性来确定是横向的还是纵向的。</a:t>
+            </a:r>
+            <a:endParaRPr lang="zh-CN" altLang="en-US" dirty="0"/>
+          </a:p>
+        </p:txBody>
+      </p:sp>
+      <p:sp>
+        <p:nvSpPr>
+          <p:cNvPr id="4" name="灯片编号占位符 3"/>
+          <p:cNvSpPr>
+            <a:spLocks noGrp="1"/>
+          </p:cNvSpPr>
+          <p:nvPr>
+            <p:ph type="sldNum" sz="quarter" idx="10"/>
+          </p:nvPr>
+        </p:nvSpPr>
+        <p:spPr/>
+        <p:txBody>
+          <a:bodyPr/>
+          <a:lstStyle/>
+          <a:p>
+            <a:fld id="{67AFED13-18EC-4853-B935-6E23F2540B2D}" type="slidenum">
+              <a:rPr lang="zh-CN" altLang="en-US" smtClean="0"/>
               <a:t>41</a:t>
             </a:fld>
             <a:endParaRPr lang="zh-CN" altLang="en-US"/>
@@ -1627,7 +2200,120 @@
 </p:notes>
 </file>
 
-<file path=ppt/notesSlides/notesSlide21.xml><?xml version="1.0" encoding="utf-8"?>
+<file path=ppt/notesSlides/notesSlide22.xml><?xml version="1.0" encoding="utf-8"?>
+<p:notes xmlns:a="http://schemas.openxmlformats.org/drawingml/2006/main" xmlns:r="http://schemas.openxmlformats.org/officeDocument/2006/relationships" xmlns:p="http://schemas.openxmlformats.org/presentationml/2006/main">
+  <p:cSld>
+    <p:spTree>
+      <p:nvGrpSpPr>
+        <p:cNvPr id="1" name=""/>
+        <p:cNvGrpSpPr/>
+        <p:nvPr/>
+      </p:nvGrpSpPr>
+      <p:grpSpPr>
+        <a:xfrm>
+          <a:off x="0" y="0"/>
+          <a:ext cx="0" cy="0"/>
+          <a:chOff x="0" y="0"/>
+          <a:chExt cx="0" cy="0"/>
+        </a:xfrm>
+      </p:grpSpPr>
+      <p:sp>
+        <p:nvSpPr>
+          <p:cNvPr id="2" name="幻灯片图像占位符 1"/>
+          <p:cNvSpPr>
+            <a:spLocks noGrp="1" noRot="1" noChangeAspect="1"/>
+          </p:cNvSpPr>
+          <p:nvPr>
+            <p:ph type="sldImg"/>
+          </p:nvPr>
+        </p:nvSpPr>
+        <p:spPr>
+          <a:xfrm>
+            <a:off x="381000" y="685800"/>
+            <a:ext cx="6096000" cy="3429000"/>
+          </a:xfrm>
+        </p:spPr>
+      </p:sp>
+      <p:sp>
+        <p:nvSpPr>
+          <p:cNvPr id="3" name="备注占位符 2"/>
+          <p:cNvSpPr>
+            <a:spLocks noGrp="1"/>
+          </p:cNvSpPr>
+          <p:nvPr>
+            <p:ph type="body" idx="1"/>
+          </p:nvPr>
+        </p:nvSpPr>
+        <p:spPr/>
+        <p:txBody>
+          <a:bodyPr/>
+          <a:lstStyle/>
+          <a:p>
+            <a:r>
+              <a:rPr lang="en-US" altLang="zh-CN" dirty="0" smtClean="0"/>
+              <a:t>Guideline</a:t>
+            </a:r>
+            <a:r>
+              <a:rPr lang="zh-CN" altLang="en-US" dirty="0" smtClean="0"/>
+              <a:t>是只能用在</a:t>
+            </a:r>
+            <a:r>
+              <a:rPr lang="en-US" altLang="zh-CN" dirty="0" smtClean="0"/>
+              <a:t>ConstraintLayout</a:t>
+            </a:r>
+            <a:r>
+              <a:rPr lang="zh-CN" altLang="en-US" dirty="0" smtClean="0"/>
+              <a:t>布局里面的一个工具类，用于辅助布局，类似为辅助线，可以设置</a:t>
+            </a:r>
+            <a:r>
+              <a:rPr lang="en-US" altLang="zh-CN" dirty="0" err="1" smtClean="0"/>
+              <a:t>android:orientation</a:t>
+            </a:r>
+            <a:r>
+              <a:rPr lang="zh-CN" altLang="en-US" dirty="0" smtClean="0"/>
+              <a:t>属性来确定是横向的还是纵向的。</a:t>
+            </a:r>
+            <a:endParaRPr lang="zh-CN" altLang="en-US" dirty="0"/>
+          </a:p>
+        </p:txBody>
+      </p:sp>
+      <p:sp>
+        <p:nvSpPr>
+          <p:cNvPr id="4" name="灯片编号占位符 3"/>
+          <p:cNvSpPr>
+            <a:spLocks noGrp="1"/>
+          </p:cNvSpPr>
+          <p:nvPr>
+            <p:ph type="sldNum" sz="quarter" idx="10"/>
+          </p:nvPr>
+        </p:nvSpPr>
+        <p:spPr/>
+        <p:txBody>
+          <a:bodyPr/>
+          <a:lstStyle/>
+          <a:p>
+            <a:fld id="{67AFED13-18EC-4853-B935-6E23F2540B2D}" type="slidenum">
+              <a:rPr lang="zh-CN" altLang="en-US" smtClean="0"/>
+              <a:t>42</a:t>
+            </a:fld>
+            <a:endParaRPr lang="zh-CN" altLang="en-US"/>
+          </a:p>
+        </p:txBody>
+      </p:sp>
+    </p:spTree>
+    <p:extLst>
+      <p:ext uri="{BB962C8B-B14F-4D97-AF65-F5344CB8AC3E}">
+        <p14:creationId xmlns:p14="http://schemas.microsoft.com/office/powerpoint/2010/main" val="2250055244"/>
+      </p:ext>
+    </p:extLst>
+  </p:cSld>
+  <p:clrMapOvr>
+    <a:masterClrMapping/>
+  </p:clrMapOvr>
+</p:notes>
+</file>
+
+<file path=ppt/notesSlides/notesSlide23.xml><?xml version="1.0" encoding="utf-8"?>
 <p:notes xmlns:a="http://schemas.openxmlformats.org/drawingml/2006/main" xmlns:r="http://schemas.openxmlformats.org/officeDocument/2006/relationships" xmlns:p="http://schemas.openxmlformats.org/presentationml/2006/main">
   <p:cSld>
     <p:spTree>
@@ -1671,6 +2357,102 @@
           <a:bodyPr/>
           <a:lstStyle/>
           <a:p>
+            <a:r>
+              <a:rPr lang="en-US" altLang="zh-CN" sz="1200" b="0" i="0" kern="1200" dirty="0" err="1" smtClean="0">
+                <a:solidFill>
+                  <a:schemeClr val="tx1"/>
+                </a:solidFill>
+                <a:effectLst/>
+                <a:latin typeface="+mn-lt"/>
+                <a:ea typeface="+mn-ea"/>
+                <a:cs typeface="+mn-cs"/>
+              </a:rPr>
+              <a:t>shrinkColumns</a:t>
+            </a:r>
+            <a:r>
+              <a:rPr lang="zh-CN" altLang="en-US" sz="1200" b="0" i="0" kern="1200" dirty="0" smtClean="0">
+                <a:solidFill>
+                  <a:schemeClr val="tx1"/>
+                </a:solidFill>
+                <a:effectLst/>
+                <a:latin typeface="+mn-lt"/>
+                <a:ea typeface="+mn-ea"/>
+                <a:cs typeface="+mn-cs"/>
+              </a:rPr>
+              <a:t>和 </a:t>
+            </a:r>
+            <a:r>
+              <a:rPr lang="en-US" altLang="zh-CN" sz="1200" b="0" i="0" kern="1200" dirty="0" err="1" smtClean="0">
+                <a:solidFill>
+                  <a:schemeClr val="tx1"/>
+                </a:solidFill>
+                <a:effectLst/>
+                <a:latin typeface="+mn-lt"/>
+                <a:ea typeface="+mn-ea"/>
+                <a:cs typeface="+mn-cs"/>
+              </a:rPr>
+              <a:t>stretchColumns</a:t>
+            </a:r>
+            <a:r>
+              <a:rPr lang="zh-CN" altLang="en-US" sz="1200" b="0" i="0" kern="1200" dirty="0" smtClean="0">
+                <a:solidFill>
+                  <a:schemeClr val="tx1"/>
+                </a:solidFill>
+                <a:effectLst/>
+                <a:latin typeface="+mn-lt"/>
+                <a:ea typeface="+mn-ea"/>
+                <a:cs typeface="+mn-cs"/>
+              </a:rPr>
+              <a:t>两个属性来标记某些列可以收缩或可以拉伸</a:t>
+            </a:r>
+            <a:r>
+              <a:rPr lang="en-US" altLang="zh-CN" sz="1200" b="0" i="0" kern="1200" dirty="0" smtClean="0">
+                <a:solidFill>
+                  <a:schemeClr val="tx1"/>
+                </a:solidFill>
+                <a:effectLst/>
+                <a:latin typeface="+mn-lt"/>
+                <a:ea typeface="+mn-ea"/>
+                <a:cs typeface="+mn-cs"/>
+              </a:rPr>
+              <a:t>. </a:t>
+            </a:r>
+            <a:r>
+              <a:rPr lang="zh-CN" altLang="en-US" sz="1200" b="0" i="0" kern="1200" dirty="0" smtClean="0">
+                <a:solidFill>
+                  <a:schemeClr val="tx1"/>
+                </a:solidFill>
+                <a:effectLst/>
+                <a:latin typeface="+mn-lt"/>
+                <a:ea typeface="+mn-ea"/>
+                <a:cs typeface="+mn-cs"/>
+              </a:rPr>
+              <a:t>如果标记为可以收缩，列宽可以收缩以使表格适合容器的大小。如果标记为可以拉伸， 列宽可以拉伸以占用多余的空间。表格的总宽度由其父容器决定</a:t>
+            </a:r>
+            <a:r>
+              <a:rPr lang="en-US" altLang="zh-CN" sz="1200" b="0" i="0" kern="1200" dirty="0" smtClean="0">
+                <a:solidFill>
+                  <a:schemeClr val="tx1"/>
+                </a:solidFill>
+                <a:effectLst/>
+                <a:latin typeface="+mn-lt"/>
+                <a:ea typeface="+mn-ea"/>
+                <a:cs typeface="+mn-cs"/>
+              </a:rPr>
+              <a:t>. </a:t>
+            </a:r>
+            <a:r>
+              <a:rPr lang="zh-CN" altLang="en-US" sz="1200" b="0" i="0" kern="1200" dirty="0" smtClean="0">
+                <a:solidFill>
+                  <a:schemeClr val="tx1"/>
+                </a:solidFill>
+                <a:effectLst/>
+                <a:latin typeface="+mn-lt"/>
+                <a:ea typeface="+mn-ea"/>
+                <a:cs typeface="+mn-cs"/>
+              </a:rPr>
+              <a:t>记住列可以同时具有可拉伸和可收缩属性。</a:t>
+            </a:r>
             <a:endParaRPr lang="zh-CN" altLang="en-US" dirty="0"/>
           </a:p>
         </p:txBody>
@@ -1692,7 +2474,7 @@
           <a:p>
             <a:fld id="{67AFED13-18EC-4853-B935-6E23F2540B2D}" type="slidenum">
               <a:rPr lang="zh-CN" altLang="en-US" smtClean="0"/>
-              <a:t>45</a:t>
+              <a:t>46</a:t>
             </a:fld>
             <a:endParaRPr lang="zh-CN" altLang="en-US"/>
           </a:p>
@@ -1711,7 +2493,7 @@
 </p:notes>
 </file>
 
-<file path=ppt/notesSlides/notesSlide22.xml><?xml version="1.0" encoding="utf-8"?>
+<file path=ppt/notesSlides/notesSlide24.xml><?xml version="1.0" encoding="utf-8"?>
 <p:notes xmlns:a="http://schemas.openxmlformats.org/drawingml/2006/main" xmlns:r="http://schemas.openxmlformats.org/officeDocument/2006/relationships" xmlns:p="http://schemas.openxmlformats.org/presentationml/2006/main">
   <p:cSld>
     <p:spTree>
@@ -1776,7 +2558,7 @@
           <a:p>
             <a:fld id="{67AFED13-18EC-4853-B935-6E23F2540B2D}" type="slidenum">
               <a:rPr lang="zh-CN" altLang="en-US" smtClean="0"/>
-              <a:t>50</a:t>
+              <a:t>51</a:t>
             </a:fld>
             <a:endParaRPr lang="zh-CN" altLang="en-US"/>
           </a:p>
@@ -1839,6 +2621,10 @@
           <a:bodyPr/>
           <a:lstStyle/>
           <a:p>
+            <a:r>
+              <a:rPr lang="zh-CN" altLang="en-US" dirty="0" smtClean="0"/>
+              <a:t>处理用户请求</a:t>
+            </a:r>
             <a:endParaRPr lang="zh-CN" altLang="en-US" dirty="0"/>
           </a:p>
         </p:txBody>
@@ -1860,7 +2646,7 @@
           <a:p>
             <a:fld id="{0C1F1DD4-9E55-4662-8770-743E8CF9A43E}" type="slidenum">
               <a:rPr lang="zh-CN" altLang="en-US" smtClean="0"/>
-              <a:t>6</a:t>
+              <a:t>5</a:t>
             </a:fld>
             <a:endParaRPr lang="zh-CN" altLang="en-US"/>
           </a:p>
@@ -1869,7 +2655,7 @@
     </p:spTree>
     <p:extLst>
       <p:ext uri="{BB962C8B-B14F-4D97-AF65-F5344CB8AC3E}">
-        <p14:creationId xmlns:p14="http://schemas.microsoft.com/office/powerpoint/2010/main" val="3675547152"/>
+        <p14:creationId xmlns:p14="http://schemas.microsoft.com/office/powerpoint/2010/main" val="1067060227"/>
       </p:ext>
     </p:extLst>
   </p:cSld>
@@ -1906,12 +2692,7 @@
             <p:ph type="sldImg"/>
           </p:nvPr>
         </p:nvSpPr>
-        <p:spPr>
-          <a:xfrm>
-            <a:off x="381000" y="685800"/>
-            <a:ext cx="6096000" cy="3429000"/>
-          </a:xfrm>
-        </p:spPr>
+        <p:spPr/>
       </p:sp>
       <p:sp>
         <p:nvSpPr>
@@ -1928,23 +2709,28 @@
           <a:bodyPr/>
           <a:lstStyle/>
           <a:p>
-            <a:pPr marL="0" marR="0" indent="0" algn="l" defTabSz="914400" rtl="0" eaLnBrk="1" fontAlgn="auto" latinLnBrk="0" hangingPunct="1">
-              <a:lnSpc>
-                <a:spcPct val="100000"/>
-              </a:lnSpc>
-              <a:spcBef>
-                <a:spcPts val="0"/>
-              </a:spcBef>
-              <a:spcAft>
-                <a:spcPts val="0"/>
-              </a:spcAft>
-              <a:buClrTx/>
-              <a:buSzTx/>
-              <a:buFontTx/>
-              <a:buNone/>
-              <a:tabLst/>
-              <a:defRPr/>
-            </a:pPr>
+            <a:r>
+              <a:rPr lang="zh-CN" altLang="en-US" dirty="0" smtClean="0"/>
+              <a:t>业务处理，</a:t>
+            </a:r>
+            <a:r>
+              <a:rPr lang="zh-CN" altLang="en-US" sz="1200" dirty="0" smtClean="0">
+                <a:hlinkClick r:id="rId3"/>
+              </a:rPr>
+              <a:t>数据库</a:t>
+            </a:r>
+            <a:r>
+              <a:rPr lang="zh-CN" altLang="en-US" sz="1200" dirty="0" smtClean="0"/>
+              <a:t>存取操作，网络操作，复杂的算法，耗时的任务等都在</a:t>
+            </a:r>
+            <a:r>
+              <a:rPr lang="en-US" altLang="zh-CN" sz="1200" dirty="0" smtClean="0"/>
+              <a:t>model</a:t>
+            </a:r>
+            <a:r>
+              <a:rPr lang="zh-CN" altLang="en-US" sz="1200" dirty="0" smtClean="0"/>
+              <a:t>层处理</a:t>
+            </a:r>
             <a:endParaRPr lang="zh-CN" altLang="en-US" dirty="0"/>
           </a:p>
         </p:txBody>
@@ -1966,7 +2752,7 @@
           <a:p>
             <a:fld id="{0C1F1DD4-9E55-4662-8770-743E8CF9A43E}" type="slidenum">
               <a:rPr lang="zh-CN" altLang="en-US" smtClean="0"/>
-              <a:t>9</a:t>
+              <a:t>6</a:t>
             </a:fld>
             <a:endParaRPr lang="zh-CN" altLang="en-US"/>
           </a:p>
@@ -1975,7 +2761,7 @@
     </p:spTree>
     <p:extLst>
       <p:ext uri="{BB962C8B-B14F-4D97-AF65-F5344CB8AC3E}">
-        <p14:creationId xmlns:p14="http://schemas.microsoft.com/office/powerpoint/2010/main" val="3898526253"/>
+        <p14:creationId xmlns:p14="http://schemas.microsoft.com/office/powerpoint/2010/main" val="3675547152"/>
       </p:ext>
     </p:extLst>
   </p:cSld>
@@ -2034,7 +2820,156 @@
           <a:bodyPr/>
           <a:lstStyle/>
           <a:p>
-            <a:endParaRPr lang="zh-CN" altLang="en-US" dirty="0"/>
+            <a:pPr marL="0" marR="0" indent="0" algn="l" defTabSz="914400" rtl="0" eaLnBrk="1" fontAlgn="auto" latinLnBrk="0" hangingPunct="1">
+              <a:lnSpc>
+                <a:spcPct val="100000"/>
+              </a:lnSpc>
+              <a:spcBef>
+                <a:spcPts val="0"/>
+              </a:spcBef>
+              <a:spcAft>
+                <a:spcPts val="0"/>
+              </a:spcAft>
+              <a:buClrTx/>
+              <a:buSzTx/>
+              <a:buFontTx/>
+              <a:buNone/>
+              <a:tabLst/>
+              <a:defRPr/>
+            </a:pPr>
+            <a:r>
+              <a:rPr lang="zh-CN" altLang="en-US" dirty="0" smtClean="0"/>
+              <a:t>控件在内存中是对象，如何从</a:t>
+            </a:r>
+            <a:r>
+              <a:rPr lang="en-US" altLang="zh-CN" dirty="0" smtClean="0"/>
+              <a:t>xml</a:t>
+            </a:r>
+            <a:r>
+              <a:rPr lang="zh-CN" altLang="en-US" dirty="0" smtClean="0"/>
+              <a:t>文件到控件对象</a:t>
+            </a:r>
+            <a:endParaRPr lang="en-US" altLang="zh-CN" dirty="0" smtClean="0"/>
+          </a:p>
+          <a:p>
+            <a:r>
+              <a:rPr lang="zh-CN" altLang="en-US" dirty="0" smtClean="0"/>
+              <a:t>当 </a:t>
+            </a:r>
+            <a:r>
+              <a:rPr lang="en-US" altLang="zh-CN" dirty="0" smtClean="0"/>
+              <a:t>Android </a:t>
+            </a:r>
+            <a:r>
+              <a:rPr lang="zh-CN" altLang="en-US" dirty="0" smtClean="0"/>
+              <a:t>应用程序被编译，会自动生成一个 </a:t>
+            </a:r>
+            <a:r>
+              <a:rPr lang="en-US" altLang="zh-CN" dirty="0" smtClean="0"/>
+              <a:t>R </a:t>
+            </a:r>
+            <a:r>
+              <a:rPr lang="zh-CN" altLang="en-US" dirty="0" smtClean="0"/>
+              <a:t>类，其中包含了所有 </a:t>
+            </a:r>
+            <a:r>
+              <a:rPr lang="en-US" altLang="zh-CN" dirty="0" smtClean="0"/>
+              <a:t>res/ </a:t>
+            </a:r>
+            <a:r>
+              <a:rPr lang="zh-CN" altLang="en-US" dirty="0" smtClean="0"/>
+              <a:t>目录下资源的 </a:t>
+            </a:r>
+            <a:r>
+              <a:rPr lang="en-US" altLang="zh-CN" dirty="0" smtClean="0"/>
+              <a:t>ID</a:t>
+            </a:r>
+            <a:r>
+              <a:rPr lang="zh-CN" altLang="en-US" dirty="0" smtClean="0"/>
+              <a:t>，如布局文件，资源文件，图片（</a:t>
+            </a:r>
+            <a:r>
+              <a:rPr lang="en-US" altLang="zh-CN" dirty="0" smtClean="0"/>
+              <a:t>values</a:t>
+            </a:r>
+            <a:r>
+              <a:rPr lang="zh-CN" altLang="en-US" dirty="0" smtClean="0"/>
+              <a:t>下所有文件）的</a:t>
+            </a:r>
+            <a:r>
+              <a:rPr lang="en-US" altLang="zh-CN" dirty="0" smtClean="0"/>
+              <a:t>ID</a:t>
+            </a:r>
+            <a:r>
+              <a:rPr lang="zh-CN" altLang="en-US" dirty="0" smtClean="0"/>
+              <a:t>等。在写</a:t>
+            </a:r>
+            <a:r>
+              <a:rPr lang="en-US" altLang="zh-CN" dirty="0" smtClean="0"/>
+              <a:t>java</a:t>
+            </a:r>
+            <a:r>
+              <a:rPr lang="zh-CN" altLang="en-US" dirty="0" smtClean="0"/>
+              <a:t>代码需要用这些资源的时候，你可以使用 </a:t>
+            </a:r>
+            <a:r>
+              <a:rPr lang="en-US" altLang="zh-CN" dirty="0" smtClean="0"/>
+              <a:t>R </a:t>
+            </a:r>
+            <a:r>
+              <a:rPr lang="zh-CN" altLang="en-US" dirty="0" smtClean="0"/>
+              <a:t>类，通过子类</a:t>
+            </a:r>
+            <a:r>
+              <a:rPr lang="en-US" altLang="zh-CN" dirty="0" smtClean="0"/>
+              <a:t>+</a:t>
+            </a:r>
+            <a:r>
+              <a:rPr lang="zh-CN" altLang="en-US" dirty="0" smtClean="0"/>
+              <a:t>资源名或者直接使用资源 </a:t>
+            </a:r>
+            <a:r>
+              <a:rPr lang="en-US" altLang="zh-CN" dirty="0" smtClean="0"/>
+              <a:t>ID </a:t>
+            </a:r>
+            <a:r>
+              <a:rPr lang="zh-CN" altLang="en-US" dirty="0" smtClean="0"/>
+              <a:t>来访问资源。</a:t>
+            </a:r>
+          </a:p>
+          <a:p>
+            <a:r>
+              <a:rPr lang="en-US" altLang="zh-CN" dirty="0" smtClean="0"/>
+              <a:t>R.java</a:t>
+            </a:r>
+            <a:r>
+              <a:rPr lang="zh-CN" altLang="en-US" dirty="0" smtClean="0"/>
+              <a:t>文件是活动的</a:t>
+            </a:r>
+            <a:r>
+              <a:rPr lang="en-US" altLang="zh-CN" dirty="0" smtClean="0"/>
+              <a:t>Java</a:t>
+            </a:r>
+            <a:r>
+              <a:rPr lang="zh-CN" altLang="en-US" dirty="0" smtClean="0"/>
+              <a:t>文件，如</a:t>
+            </a:r>
+            <a:r>
+              <a:rPr lang="en-US" altLang="zh-CN" dirty="0" smtClean="0"/>
+              <a:t>MainActivity.java</a:t>
+            </a:r>
+            <a:r>
+              <a:rPr lang="zh-CN" altLang="en-US" dirty="0" smtClean="0"/>
+              <a:t>的和资源如</a:t>
+            </a:r>
+            <a:r>
+              <a:rPr lang="en-US" altLang="zh-CN" dirty="0" smtClean="0"/>
+              <a:t>strings.xml</a:t>
+            </a:r>
+            <a:r>
+              <a:rPr lang="zh-CN" altLang="en-US" dirty="0" smtClean="0"/>
+              <a:t>之间的胶水</a:t>
+            </a:r>
           </a:p>
         </p:txBody>
       </p:sp>
@@ -2053,9 +2988,9 @@
           <a:bodyPr/>
           <a:lstStyle/>
           <a:p>
-            <a:fld id="{67AFED13-18EC-4853-B935-6E23F2540B2D}" type="slidenum">
+            <a:fld id="{0C1F1DD4-9E55-4662-8770-743E8CF9A43E}" type="slidenum">
               <a:rPr lang="zh-CN" altLang="en-US" smtClean="0"/>
-              <a:t>12</a:t>
+              <a:t>9</a:t>
             </a:fld>
             <a:endParaRPr lang="zh-CN" altLang="en-US"/>
           </a:p>
@@ -2064,7 +2999,7 @@
     </p:spTree>
     <p:extLst>
       <p:ext uri="{BB962C8B-B14F-4D97-AF65-F5344CB8AC3E}">
-        <p14:creationId xmlns:p14="http://schemas.microsoft.com/office/powerpoint/2010/main" val="301903899"/>
+        <p14:creationId xmlns:p14="http://schemas.microsoft.com/office/powerpoint/2010/main" val="3898526253"/>
       </p:ext>
     </p:extLst>
   </p:cSld>
@@ -2101,7 +3036,12 @@
             <p:ph type="sldImg"/>
           </p:nvPr>
         </p:nvSpPr>
-        <p:spPr/>
+        <p:spPr>
+          <a:xfrm>
+            <a:off x="381000" y="685800"/>
+            <a:ext cx="6096000" cy="3429000"/>
+          </a:xfrm>
+        </p:spPr>
       </p:sp>
       <p:sp>
         <p:nvSpPr>
@@ -2118,6 +3058,10 @@
           <a:bodyPr/>
           <a:lstStyle/>
           <a:p>
+            <a:r>
+              <a:rPr lang="zh-CN" altLang="en-US" dirty="0" smtClean="0"/>
+              <a:t>显示数据，容纳组件的组件</a:t>
+            </a:r>
             <a:endParaRPr lang="zh-CN" altLang="en-US" dirty="0"/>
           </a:p>
         </p:txBody>
@@ -2139,7 +3083,7 @@
           <a:p>
             <a:fld id="{67AFED13-18EC-4853-B935-6E23F2540B2D}" type="slidenum">
               <a:rPr lang="zh-CN" altLang="en-US" smtClean="0"/>
-              <a:t>13</a:t>
+              <a:t>12</a:t>
             </a:fld>
             <a:endParaRPr lang="zh-CN" altLang="en-US"/>
           </a:p>
@@ -2148,7 +3092,7 @@
     </p:spTree>
     <p:extLst>
       <p:ext uri="{BB962C8B-B14F-4D97-AF65-F5344CB8AC3E}">
-        <p14:creationId xmlns:p14="http://schemas.microsoft.com/office/powerpoint/2010/main" val="2541915538"/>
+        <p14:creationId xmlns:p14="http://schemas.microsoft.com/office/powerpoint/2010/main" val="301903899"/>
       </p:ext>
     </p:extLst>
   </p:cSld>
@@ -2202,6 +3146,17 @@
           <a:bodyPr/>
           <a:lstStyle/>
           <a:p>
+            <a:r>
+              <a:rPr lang="zh-CN" altLang="en-US" dirty="0" smtClean="0"/>
+              <a:t>布局嵌套布局是为了方便进行界面布局，不同的布局类有不同的特点，有的横向显示，有的纵向显示，有的设置绝对位置，有的设置相对位置</a:t>
+            </a:r>
+            <a:endParaRPr lang="en-US" altLang="zh-CN" dirty="0" smtClean="0"/>
+          </a:p>
+          <a:p>
+            <a:r>
+              <a:rPr lang="zh-CN" altLang="en-US" dirty="0" smtClean="0"/>
+              <a:t>为什么不都设置绝对位置，因为手机存在不同的尺寸</a:t>
+            </a:r>
             <a:endParaRPr lang="zh-CN" altLang="en-US" dirty="0"/>
           </a:p>
         </p:txBody>
@@ -2223,7 +3178,7 @@
           <a:p>
             <a:fld id="{67AFED13-18EC-4853-B935-6E23F2540B2D}" type="slidenum">
               <a:rPr lang="zh-CN" altLang="en-US" smtClean="0"/>
-              <a:t>15</a:t>
+              <a:t>13</a:t>
             </a:fld>
             <a:endParaRPr lang="zh-CN" altLang="en-US"/>
           </a:p>
@@ -2232,7 +3187,7 @@
     </p:spTree>
     <p:extLst>
       <p:ext uri="{BB962C8B-B14F-4D97-AF65-F5344CB8AC3E}">
-        <p14:creationId xmlns:p14="http://schemas.microsoft.com/office/powerpoint/2010/main" val="1490453291"/>
+        <p14:creationId xmlns:p14="http://schemas.microsoft.com/office/powerpoint/2010/main" val="2541915538"/>
       </p:ext>
     </p:extLst>
   </p:cSld>
@@ -2286,6 +3241,14 @@
           <a:bodyPr/>
           <a:lstStyle/>
           <a:p>
+            <a:r>
+              <a:rPr lang="en-US" altLang="zh-CN" dirty="0" err="1" smtClean="0"/>
+              <a:t>LinearLayout</a:t>
+            </a:r>
+            <a:r>
+              <a:rPr lang="zh-CN" altLang="en-US" dirty="0" smtClean="0"/>
+              <a:t>线性布局，横向和纵向</a:t>
+            </a:r>
             <a:endParaRPr lang="zh-CN" altLang="en-US" dirty="0"/>
           </a:p>
         </p:txBody>
@@ -2307,7 +3270,7 @@
           <a:p>
             <a:fld id="{67AFED13-18EC-4853-B935-6E23F2540B2D}" type="slidenum">
               <a:rPr lang="zh-CN" altLang="en-US" smtClean="0"/>
-              <a:t>16</a:t>
+              <a:t>15</a:t>
             </a:fld>
             <a:endParaRPr lang="zh-CN" altLang="en-US"/>
           </a:p>
@@ -2316,7 +3279,7 @@
     </p:spTree>
     <p:extLst>
       <p:ext uri="{BB962C8B-B14F-4D97-AF65-F5344CB8AC3E}">
-        <p14:creationId xmlns:p14="http://schemas.microsoft.com/office/powerpoint/2010/main" val="3328846579"/>
+        <p14:creationId xmlns:p14="http://schemas.microsoft.com/office/powerpoint/2010/main" val="1490453291"/>
       </p:ext>
     </p:extLst>
   </p:cSld>
@@ -2391,7 +3354,7 @@
           <a:p>
             <a:fld id="{67AFED13-18EC-4853-B935-6E23F2540B2D}" type="slidenum">
               <a:rPr lang="zh-CN" altLang="en-US" smtClean="0"/>
-              <a:t>18</a:t>
+              <a:t>16</a:t>
             </a:fld>
             <a:endParaRPr lang="zh-CN" altLang="en-US"/>
           </a:p>
@@ -2400,7 +3363,7 @@
     </p:spTree>
     <p:extLst>
       <p:ext uri="{BB962C8B-B14F-4D97-AF65-F5344CB8AC3E}">
-        <p14:creationId xmlns:p14="http://schemas.microsoft.com/office/powerpoint/2010/main" val="932137279"/>
+        <p14:creationId xmlns:p14="http://schemas.microsoft.com/office/powerpoint/2010/main" val="3328846579"/>
       </p:ext>
     </p:extLst>
   </p:cSld>
@@ -2444,7 +3407,7 @@
           <a:p>
             <a:fld id="{530820CF-B880-4189-942D-D702A7CBA730}" type="datetimeFigureOut">
               <a:rPr lang="zh-CN" altLang="en-US" smtClean="0"/>
-              <a:t>2019/4/4</a:t>
+              <a:t>2019/4/7</a:t>
             </a:fld>
             <a:endParaRPr lang="zh-CN" altLang="en-US"/>
           </a:p>
@@ -5136,7 +6099,7 @@
           <a:p>
             <a:fld id="{530820CF-B880-4189-942D-D702A7CBA730}" type="datetimeFigureOut">
               <a:rPr lang="zh-CN" altLang="en-US" smtClean="0"/>
-              <a:t>2019/4/4</a:t>
+              <a:t>2019/4/7</a:t>
             </a:fld>
             <a:endParaRPr lang="zh-CN" altLang="en-US"/>
           </a:p>
@@ -7060,7 +8023,7 @@
           <a:p>
             <a:fld id="{530820CF-B880-4189-942D-D702A7CBA730}" type="datetimeFigureOut">
               <a:rPr lang="zh-CN" altLang="en-US" smtClean="0"/>
-              <a:t>2019/4/4</a:t>
+              <a:t>2019/4/7</a:t>
             </a:fld>
             <a:endParaRPr lang="zh-CN" altLang="en-US"/>
           </a:p>
@@ -10471,21 +11434,21 @@
                 <a:gridCol w="2363671">
                   <a:extLst>
                     <a:ext uri="{9D8B030D-6E8A-4147-A177-3AD203B41FA5}">
-                      <a16:colId xmlns:a16="http://schemas.microsoft.com/office/drawing/2014/main" xmlns="" val="20000"/>
+                      <a16:colId xmlns="" xmlns:a16="http://schemas.microsoft.com/office/drawing/2014/main" val="20000"/>
                     </a:ext>
                   </a:extLst>
                 </a:gridCol>
                 <a:gridCol w="2787749">
                   <a:extLst>
                     <a:ext uri="{9D8B030D-6E8A-4147-A177-3AD203B41FA5}">
-                      <a16:colId xmlns:a16="http://schemas.microsoft.com/office/drawing/2014/main" xmlns="" val="1568519663"/>
+                      <a16:colId xmlns="" xmlns:a16="http://schemas.microsoft.com/office/drawing/2014/main" val="1568519663"/>
                     </a:ext>
                   </a:extLst>
                 </a:gridCol>
                 <a:gridCol w="3456808">
                   <a:extLst>
                     <a:ext uri="{9D8B030D-6E8A-4147-A177-3AD203B41FA5}">
-                      <a16:colId xmlns:a16="http://schemas.microsoft.com/office/drawing/2014/main" xmlns="" val="20001"/>
+                      <a16:colId xmlns="" xmlns:a16="http://schemas.microsoft.com/office/drawing/2014/main" val="20001"/>
                     </a:ext>
                   </a:extLst>
                 </a:gridCol>
@@ -10736,7 +11699,7 @@
                 </a:tc>
                 <a:extLst>
                   <a:ext uri="{0D108BD9-81ED-4DB2-BD59-A6C34878D82A}">
-                    <a16:rowId xmlns:a16="http://schemas.microsoft.com/office/drawing/2014/main" xmlns="" val="10000"/>
+                    <a16:rowId xmlns="" xmlns:a16="http://schemas.microsoft.com/office/drawing/2014/main" val="10000"/>
                   </a:ext>
                 </a:extLst>
               </a:tr>
@@ -10984,7 +11947,7 @@
                 </a:tc>
                 <a:extLst>
                   <a:ext uri="{0D108BD9-81ED-4DB2-BD59-A6C34878D82A}">
-                    <a16:rowId xmlns:a16="http://schemas.microsoft.com/office/drawing/2014/main" xmlns="" val="10001"/>
+                    <a16:rowId xmlns="" xmlns:a16="http://schemas.microsoft.com/office/drawing/2014/main" val="10001"/>
                   </a:ext>
                 </a:extLst>
               </a:tr>
@@ -11280,7 +12243,7 @@
                 </a:tc>
                 <a:extLst>
                   <a:ext uri="{0D108BD9-81ED-4DB2-BD59-A6C34878D82A}">
-                    <a16:rowId xmlns:a16="http://schemas.microsoft.com/office/drawing/2014/main" xmlns="" val="10002"/>
+                    <a16:rowId xmlns="" xmlns:a16="http://schemas.microsoft.com/office/drawing/2014/main" val="10002"/>
                   </a:ext>
                 </a:extLst>
               </a:tr>
@@ -11622,7 +12585,7 @@
                 </a:tc>
                 <a:extLst>
                   <a:ext uri="{0D108BD9-81ED-4DB2-BD59-A6C34878D82A}">
-                    <a16:rowId xmlns:a16="http://schemas.microsoft.com/office/drawing/2014/main" xmlns="" val="10003"/>
+                    <a16:rowId xmlns="" xmlns:a16="http://schemas.microsoft.com/office/drawing/2014/main" val="10003"/>
                   </a:ext>
                 </a:extLst>
               </a:tr>
@@ -11800,7 +12763,7 @@
                 </a:tc>
                 <a:extLst>
                   <a:ext uri="{0D108BD9-81ED-4DB2-BD59-A6C34878D82A}">
-                    <a16:rowId xmlns:a16="http://schemas.microsoft.com/office/drawing/2014/main" xmlns="" val="598840492"/>
+                    <a16:rowId xmlns="" xmlns:a16="http://schemas.microsoft.com/office/drawing/2014/main" val="598840492"/>
                   </a:ext>
                 </a:extLst>
               </a:tr>
@@ -11972,7 +12935,7 @@
                     <a:lstStyle/>
                     <a:p>
                       <a:r>
-                        <a:rPr lang="zh-CN" altLang="en-US" sz="1500" b="0" smtClean="0">
+                        <a:rPr lang="zh-CN" altLang="en-US" sz="1500" b="0" dirty="0" smtClean="0">
                           <a:ln>
                             <a:noFill/>
                           </a:ln>
@@ -12048,7 +13011,7 @@
                 </a:tc>
                 <a:extLst>
                   <a:ext uri="{0D108BD9-81ED-4DB2-BD59-A6C34878D82A}">
-                    <a16:rowId xmlns:a16="http://schemas.microsoft.com/office/drawing/2014/main" xmlns="" val="10005"/>
+                    <a16:rowId xmlns="" xmlns:a16="http://schemas.microsoft.com/office/drawing/2014/main" val="10005"/>
                   </a:ext>
                 </a:extLst>
               </a:tr>
@@ -12296,7 +13259,7 @@
                 </a:tc>
                 <a:extLst>
                   <a:ext uri="{0D108BD9-81ED-4DB2-BD59-A6C34878D82A}">
-                    <a16:rowId xmlns:a16="http://schemas.microsoft.com/office/drawing/2014/main" xmlns="" val="10006"/>
+                    <a16:rowId xmlns="" xmlns:a16="http://schemas.microsoft.com/office/drawing/2014/main" val="10006"/>
                   </a:ext>
                 </a:extLst>
               </a:tr>
@@ -12544,7 +13507,7 @@
                 </a:tc>
                 <a:extLst>
                   <a:ext uri="{0D108BD9-81ED-4DB2-BD59-A6C34878D82A}">
-                    <a16:rowId xmlns:a16="http://schemas.microsoft.com/office/drawing/2014/main" xmlns="" val="2574007439"/>
+                    <a16:rowId xmlns="" xmlns:a16="http://schemas.microsoft.com/office/drawing/2014/main" val="2574007439"/>
                   </a:ext>
                 </a:extLst>
               </a:tr>
@@ -12997,7 +13960,7 @@
         </p:nvSpPr>
         <p:spPr>
           <a:xfrm>
-            <a:off x="683568" y="1200151"/>
+            <a:off x="611560" y="915566"/>
             <a:ext cx="8003232" cy="3394472"/>
           </a:xfrm>
         </p:spPr>
@@ -13371,7 +14334,7 @@
         </p:nvSpPr>
         <p:spPr bwMode="auto">
           <a:xfrm>
-            <a:off x="3599892" y="1275606"/>
+            <a:off x="3599892" y="987574"/>
             <a:ext cx="2646294" cy="864096"/>
           </a:xfrm>
           <a:prstGeom prst="rect">
@@ -13466,7 +14429,7 @@
         </p:nvSpPr>
         <p:spPr bwMode="auto">
           <a:xfrm>
-            <a:off x="1277634" y="3177219"/>
+            <a:off x="1277634" y="2889187"/>
             <a:ext cx="2646294" cy="864096"/>
           </a:xfrm>
           <a:prstGeom prst="rect">
@@ -13541,7 +14504,7 @@
         </p:nvCxnSpPr>
         <p:spPr>
           <a:xfrm rot="10800000" flipV="1">
-            <a:off x="2600781" y="1707654"/>
+            <a:off x="2600781" y="1419622"/>
             <a:ext cx="999111" cy="1469565"/>
           </a:xfrm>
           <a:prstGeom prst="curvedConnector2">
@@ -13592,7 +14555,7 @@
         </p:nvCxnSpPr>
         <p:spPr>
           <a:xfrm rot="5400000" flipH="1" flipV="1">
-            <a:off x="2811104" y="1929380"/>
+            <a:off x="2811104" y="1641348"/>
             <a:ext cx="1901613" cy="2322258"/>
           </a:xfrm>
           <a:prstGeom prst="curvedConnector3">
@@ -13641,7 +14604,7 @@
         </p:nvSpPr>
         <p:spPr>
           <a:xfrm>
-            <a:off x="2103274" y="1649638"/>
+            <a:off x="2103274" y="1361606"/>
             <a:ext cx="677108" cy="392415"/>
           </a:xfrm>
           <a:prstGeom prst="rect">
@@ -13679,7 +14642,7 @@
         </p:nvSpPr>
         <p:spPr>
           <a:xfrm>
-            <a:off x="5603264" y="2229560"/>
+            <a:off x="5603264" y="1941528"/>
             <a:ext cx="2187243" cy="715580"/>
           </a:xfrm>
           <a:prstGeom prst="rect">
@@ -13717,7 +14680,7 @@
         </p:nvSpPr>
         <p:spPr>
           <a:xfrm>
-            <a:off x="4647108" y="3862165"/>
+            <a:off x="4647108" y="3574133"/>
             <a:ext cx="3759319" cy="715580"/>
           </a:xfrm>
           <a:prstGeom prst="rect">
@@ -13780,7 +14743,7 @@
         </p:nvSpPr>
         <p:spPr>
           <a:xfrm>
-            <a:off x="1276633" y="4391314"/>
+            <a:off x="1276633" y="4103282"/>
             <a:ext cx="1896112" cy="392415"/>
           </a:xfrm>
           <a:prstGeom prst="rect">
@@ -14403,10 +15366,10 @@
         </p:nvGrpSpPr>
         <p:grpSpPr>
           <a:xfrm>
-            <a:off x="1655676" y="1766364"/>
-            <a:ext cx="5940660" cy="2209542"/>
-            <a:chOff x="2207568" y="2355152"/>
-            <a:chExt cx="7920880" cy="2946056"/>
+            <a:off x="1655676" y="1591121"/>
+            <a:ext cx="5940660" cy="2384785"/>
+            <a:chOff x="2207568" y="2121495"/>
+            <a:chExt cx="7920880" cy="3179713"/>
           </a:xfrm>
         </p:grpSpPr>
         <p:sp>
@@ -14636,8 +15599,8 @@
           </p:nvSpPr>
           <p:spPr bwMode="auto">
             <a:xfrm rot="18577530">
-              <a:off x="2753185" y="3234261"/>
-              <a:ext cx="1654158" cy="522743"/>
+              <a:off x="2641244" y="2996235"/>
+              <a:ext cx="2272224" cy="522743"/>
             </a:xfrm>
             <a:prstGeom prst="rect">
               <a:avLst/>
@@ -15104,7 +16067,7 @@
                 <a:gridCol w="7830870">
                   <a:extLst>
                     <a:ext uri="{9D8B030D-6E8A-4147-A177-3AD203B41FA5}">
-                      <a16:colId xmlns:a16="http://schemas.microsoft.com/office/drawing/2014/main" xmlns="" val="20000"/>
+                      <a16:colId xmlns="" xmlns:a16="http://schemas.microsoft.com/office/drawing/2014/main" val="20000"/>
                     </a:ext>
                   </a:extLst>
                 </a:gridCol>
@@ -15493,7 +16456,7 @@
                 </a:tc>
                 <a:extLst>
                   <a:ext uri="{0D108BD9-81ED-4DB2-BD59-A6C34878D82A}">
-                    <a16:rowId xmlns:a16="http://schemas.microsoft.com/office/drawing/2014/main" xmlns="" val="10000"/>
+                    <a16:rowId xmlns="" xmlns:a16="http://schemas.microsoft.com/office/drawing/2014/main" val="10000"/>
                   </a:ext>
                 </a:extLst>
               </a:tr>
@@ -15658,7 +16621,7 @@
                 <a:gridCol w="6840089">
                   <a:extLst>
                     <a:ext uri="{9D8B030D-6E8A-4147-A177-3AD203B41FA5}">
-                      <a16:colId xmlns:a16="http://schemas.microsoft.com/office/drawing/2014/main" xmlns="" val="20000"/>
+                      <a16:colId xmlns="" xmlns:a16="http://schemas.microsoft.com/office/drawing/2014/main" val="20000"/>
                     </a:ext>
                   </a:extLst>
                 </a:gridCol>
@@ -15993,7 +16956,7 @@
                 </a:tc>
                 <a:extLst>
                   <a:ext uri="{0D108BD9-81ED-4DB2-BD59-A6C34878D82A}">
-                    <a16:rowId xmlns:a16="http://schemas.microsoft.com/office/drawing/2014/main" xmlns="" val="10000"/>
+                    <a16:rowId xmlns="" xmlns:a16="http://schemas.microsoft.com/office/drawing/2014/main" val="10000"/>
                   </a:ext>
                 </a:extLst>
               </a:tr>
@@ -21501,7 +22464,7 @@
         <p:spPr>
           <a:xfrm>
             <a:off x="611560" y="771550"/>
-            <a:ext cx="7992888" cy="3639851"/>
+            <a:ext cx="8496944" cy="4176464"/>
           </a:xfrm>
         </p:spPr>
         <p:txBody>
@@ -21510,6 +22473,11 @@
           </a:bodyPr>
           <a:lstStyle/>
           <a:p>
+            <a:pPr>
+              <a:lnSpc>
+                <a:spcPts val="3200"/>
+              </a:lnSpc>
+            </a:pPr>
             <a:r>
               <a:rPr lang="en-US" altLang="zh-CN" sz="2400" dirty="0">
                 <a:solidFill>
@@ -21574,7 +22542,11 @@
             </a:endParaRPr>
           </a:p>
           <a:p>
-            <a:pPr lvl="1"/>
+            <a:pPr lvl="1">
+              <a:lnSpc>
+                <a:spcPts val="3200"/>
+              </a:lnSpc>
+            </a:pPr>
             <a:r>
               <a:rPr lang="zh-CN" altLang="en-US" sz="2100" dirty="0">
                 <a:solidFill>
@@ -21603,7 +22575,11 @@
             </a:r>
           </a:p>
           <a:p>
-            <a:pPr lvl="1"/>
+            <a:pPr lvl="1">
+              <a:lnSpc>
+                <a:spcPts val="3200"/>
+              </a:lnSpc>
+            </a:pPr>
             <a:r>
               <a:rPr lang="zh-CN" altLang="en-US" sz="2100" dirty="0">
                 <a:solidFill>
@@ -21630,6 +22606,9 @@
           </a:p>
           <a:p>
             <a:pPr>
+              <a:lnSpc>
+                <a:spcPts val="3200"/>
+              </a:lnSpc>
               <a:spcBef>
                 <a:spcPts val="900"/>
               </a:spcBef>
@@ -21698,7 +22677,11 @@
             </a:endParaRPr>
           </a:p>
           <a:p>
-            <a:pPr lvl="1"/>
+            <a:pPr lvl="1">
+              <a:lnSpc>
+                <a:spcPts val="3200"/>
+              </a:lnSpc>
+            </a:pPr>
             <a:r>
               <a:rPr lang="zh-CN" altLang="en-US" sz="2100" dirty="0">
                 <a:solidFill>
@@ -21724,7 +22707,11 @@
             </a:endParaRPr>
           </a:p>
           <a:p>
-            <a:pPr lvl="1"/>
+            <a:pPr lvl="1">
+              <a:lnSpc>
+                <a:spcPts val="3200"/>
+              </a:lnSpc>
+            </a:pPr>
             <a:r>
               <a:rPr lang="zh-CN" altLang="en-US" sz="2100" dirty="0">
                 <a:solidFill>
@@ -22348,7 +23335,17 @@
                 <a:latin typeface="+mn-ea"/>
                 <a:ea typeface="+mn-ea"/>
               </a:rPr>
-              <a:t>对象）在界面中的显示方式（即</a:t>
+              <a:t>对象）在界面中的显示方式（</a:t>
+            </a:r>
+            <a:r>
+              <a:rPr lang="zh-CN" altLang="en-US" sz="3800" dirty="0">
+                <a:solidFill>
+                  <a:srgbClr val="FF0000"/>
+                </a:solidFill>
+                <a:latin typeface="+mn-ea"/>
+                <a:ea typeface="+mn-ea"/>
+              </a:rPr>
+              <a:t>即</a:t>
             </a:r>
             <a:r>
               <a:rPr lang="zh-CN" altLang="en-US" sz="3800" dirty="0" smtClean="0">
@@ -22436,20 +23433,20 @@
               <a:defRPr/>
             </a:pPr>
             <a:r>
-              <a:rPr lang="en-US" altLang="zh-CN" sz="2900" dirty="0" smtClean="0">
+              <a:rPr lang="en-US" altLang="zh-CN" sz="3300" dirty="0" smtClean="0">
                 <a:latin typeface="宋体" panose="02010600030101010101" pitchFamily="2" charset="-122"/>
                 <a:ea typeface="宋体" panose="02010600030101010101" pitchFamily="2" charset="-122"/>
               </a:rPr>
               <a:t>ConstraintLayout</a:t>
             </a:r>
             <a:r>
-              <a:rPr lang="zh-CN" altLang="en-US" sz="2900" dirty="0" smtClean="0">
+              <a:rPr lang="zh-CN" altLang="en-US" sz="3300" dirty="0" smtClean="0">
                 <a:latin typeface="宋体" panose="02010600030101010101" pitchFamily="2" charset="-122"/>
                 <a:ea typeface="宋体" panose="02010600030101010101" pitchFamily="2" charset="-122"/>
               </a:rPr>
               <a:t>：约束布局</a:t>
             </a:r>
-            <a:endParaRPr lang="en-US" altLang="zh-CN" sz="2900" dirty="0">
+            <a:endParaRPr lang="en-US" altLang="zh-CN" sz="3300" dirty="0">
               <a:latin typeface="宋体" panose="02010600030101010101" pitchFamily="2" charset="-122"/>
               <a:ea typeface="宋体" panose="02010600030101010101" pitchFamily="2" charset="-122"/>
             </a:endParaRPr>
@@ -22462,20 +23459,20 @@
               <a:defRPr/>
             </a:pPr>
             <a:r>
-              <a:rPr lang="en-US" altLang="zh-CN" sz="2900" dirty="0" err="1">
+              <a:rPr lang="en-US" altLang="zh-CN" sz="3300" dirty="0" err="1">
                 <a:latin typeface="宋体" panose="02010600030101010101" pitchFamily="2" charset="-122"/>
                 <a:ea typeface="宋体" panose="02010600030101010101" pitchFamily="2" charset="-122"/>
               </a:rPr>
               <a:t>LinearLayout</a:t>
             </a:r>
             <a:r>
-              <a:rPr lang="zh-CN" altLang="en-US" sz="2900" dirty="0" smtClean="0">
+              <a:rPr lang="zh-CN" altLang="en-US" sz="3300" dirty="0" smtClean="0">
                 <a:latin typeface="宋体" panose="02010600030101010101" pitchFamily="2" charset="-122"/>
                 <a:ea typeface="宋体" panose="02010600030101010101" pitchFamily="2" charset="-122"/>
               </a:rPr>
               <a:t>：线性布局</a:t>
             </a:r>
-            <a:endParaRPr lang="en-US" altLang="zh-CN" sz="2900" dirty="0" smtClean="0">
+            <a:endParaRPr lang="en-US" altLang="zh-CN" sz="3300" dirty="0" smtClean="0">
               <a:latin typeface="宋体" panose="02010600030101010101" pitchFamily="2" charset="-122"/>
               <a:ea typeface="宋体" panose="02010600030101010101" pitchFamily="2" charset="-122"/>
             </a:endParaRPr>
@@ -22488,20 +23485,20 @@
               <a:defRPr/>
             </a:pPr>
             <a:r>
-              <a:rPr lang="en-US" altLang="zh-CN" sz="2900" dirty="0" err="1">
+              <a:rPr lang="en-US" altLang="zh-CN" sz="3300" dirty="0" err="1">
                 <a:latin typeface="宋体" panose="02010600030101010101" pitchFamily="2" charset="-122"/>
                 <a:ea typeface="宋体" panose="02010600030101010101" pitchFamily="2" charset="-122"/>
               </a:rPr>
               <a:t>FrameLayout</a:t>
             </a:r>
             <a:r>
-              <a:rPr lang="zh-CN" altLang="en-US" sz="2900" dirty="0">
+              <a:rPr lang="zh-CN" altLang="en-US" sz="3300" dirty="0">
                 <a:latin typeface="宋体" panose="02010600030101010101" pitchFamily="2" charset="-122"/>
                 <a:ea typeface="宋体" panose="02010600030101010101" pitchFamily="2" charset="-122"/>
               </a:rPr>
               <a:t>：帧布局</a:t>
             </a:r>
-            <a:endParaRPr lang="en-US" altLang="zh-CN" sz="2900" dirty="0">
+            <a:endParaRPr lang="en-US" altLang="zh-CN" sz="3300" dirty="0">
               <a:latin typeface="宋体" panose="02010600030101010101" pitchFamily="2" charset="-122"/>
               <a:ea typeface="宋体" panose="02010600030101010101" pitchFamily="2" charset="-122"/>
             </a:endParaRPr>
@@ -22514,20 +23511,20 @@
               <a:defRPr/>
             </a:pPr>
             <a:r>
-              <a:rPr lang="en-US" altLang="zh-CN" sz="2900" dirty="0" err="1">
+              <a:rPr lang="en-US" altLang="zh-CN" sz="3300" dirty="0" err="1">
                 <a:latin typeface="宋体" panose="02010600030101010101" pitchFamily="2" charset="-122"/>
                 <a:ea typeface="宋体" panose="02010600030101010101" pitchFamily="2" charset="-122"/>
               </a:rPr>
               <a:t>TableLayout</a:t>
             </a:r>
             <a:r>
-              <a:rPr lang="zh-CN" altLang="en-US" sz="2900" dirty="0">
+              <a:rPr lang="zh-CN" altLang="en-US" sz="3300" dirty="0">
                 <a:latin typeface="宋体" panose="02010600030101010101" pitchFamily="2" charset="-122"/>
                 <a:ea typeface="宋体" panose="02010600030101010101" pitchFamily="2" charset="-122"/>
               </a:rPr>
               <a:t>：表格布局</a:t>
             </a:r>
-            <a:endParaRPr lang="en-US" altLang="zh-CN" sz="2900" dirty="0">
+            <a:endParaRPr lang="en-US" altLang="zh-CN" sz="3300" dirty="0">
               <a:latin typeface="宋体" panose="02010600030101010101" pitchFamily="2" charset="-122"/>
               <a:ea typeface="宋体" panose="02010600030101010101" pitchFamily="2" charset="-122"/>
             </a:endParaRPr>
@@ -23341,7 +24338,7 @@
         </p:spPr>
         <p:txBody>
           <a:bodyPr>
-            <a:normAutofit fontScale="77500" lnSpcReduction="20000"/>
+            <a:normAutofit fontScale="70000" lnSpcReduction="20000"/>
           </a:bodyPr>
           <a:lstStyle/>
           <a:p>
@@ -23379,7 +24376,7 @@
           <a:p>
             <a:pPr marL="0" indent="0">
               <a:lnSpc>
-                <a:spcPct val="150000"/>
+                <a:spcPts val="3200"/>
               </a:lnSpc>
               <a:buNone/>
             </a:pPr>
@@ -23388,7 +24385,7 @@
                 <a:latin typeface="宋体" panose="02010600030101010101" pitchFamily="2" charset="-122"/>
                 <a:ea typeface="宋体" panose="02010600030101010101" pitchFamily="2" charset="-122"/>
               </a:rPr>
-              <a:t>使用</a:t>
+              <a:t>   使用</a:t>
             </a:r>
             <a:r>
               <a:rPr lang="zh-CN" altLang="en-US" sz="2400" dirty="0">
@@ -23440,7 +24437,7 @@
           <a:p>
             <a:pPr marL="0" indent="0">
               <a:lnSpc>
-                <a:spcPct val="150000"/>
+                <a:spcPts val="3200"/>
               </a:lnSpc>
               <a:buNone/>
             </a:pPr>
@@ -23515,7 +24512,7 @@
           <a:p>
             <a:pPr marL="0" indent="0">
               <a:lnSpc>
-                <a:spcPct val="150000"/>
+                <a:spcPts val="3200"/>
               </a:lnSpc>
               <a:buNone/>
             </a:pPr>
@@ -23543,7 +24540,7 @@
           <a:p>
             <a:pPr marL="0" indent="0">
               <a:lnSpc>
-                <a:spcPct val="150000"/>
+                <a:spcPts val="3200"/>
               </a:lnSpc>
               <a:buNone/>
             </a:pPr>
@@ -23576,7 +24573,7 @@
           <a:p>
             <a:pPr marL="0" indent="0">
               <a:lnSpc>
-                <a:spcPct val="150000"/>
+                <a:spcPts val="3200"/>
               </a:lnSpc>
               <a:buNone/>
             </a:pPr>
@@ -23635,7 +24632,7 @@
         </p:blipFill>
         <p:spPr bwMode="auto">
           <a:xfrm>
-            <a:off x="5757759" y="2211710"/>
+            <a:off x="6156176" y="2787774"/>
             <a:ext cx="2726829" cy="1345332"/>
           </a:xfrm>
           <a:prstGeom prst="rect">
@@ -23726,6 +24723,139 @@
         <p:spPr/>
         <p:txBody>
           <a:bodyPr>
+            <a:normAutofit fontScale="90000"/>
+          </a:bodyPr>
+          <a:lstStyle/>
+          <a:p>
+            <a:r>
+              <a:rPr lang="en-US" altLang="zh-CN" dirty="0">
+                <a:latin typeface="+mn-ea"/>
+                <a:ea typeface="+mn-ea"/>
+              </a:rPr>
+              <a:t>Android</a:t>
+            </a:r>
+            <a:r>
+              <a:rPr lang="zh-CN" altLang="en-US" dirty="0">
+                <a:latin typeface="+mn-ea"/>
+                <a:ea typeface="+mn-ea"/>
+              </a:rPr>
+              <a:t>界面布局简介</a:t>
+            </a:r>
+          </a:p>
+        </p:txBody>
+      </p:sp>
+      <p:pic>
+        <p:nvPicPr>
+          <p:cNvPr id="1027" name="Picture 3"/>
+          <p:cNvPicPr>
+            <a:picLocks noChangeAspect="1" noChangeArrowheads="1"/>
+          </p:cNvPicPr>
+          <p:nvPr/>
+        </p:nvPicPr>
+        <p:blipFill rotWithShape="1">
+          <a:blip r:embed="rId3">
+            <a:extLst>
+              <a:ext uri="{28A0092B-C50C-407E-A947-70E740481C1C}">
+                <a14:useLocalDpi xmlns:a14="http://schemas.microsoft.com/office/drawing/2010/main" val="0"/>
+              </a:ext>
+            </a:extLst>
+          </a:blip>
+          <a:srcRect l="4267" t="9512" r="12925" b="7087"/>
+          <a:stretch/>
+        </p:blipFill>
+        <p:spPr bwMode="auto">
+          <a:xfrm>
+            <a:off x="1475656" y="1563638"/>
+            <a:ext cx="5847811" cy="2419231"/>
+          </a:xfrm>
+          <a:prstGeom prst="rect">
+            <a:avLst/>
+          </a:prstGeom>
+          <a:noFill/>
+          <a:ln>
+            <a:noFill/>
+          </a:ln>
+          <a:effectLst/>
+          <a:extLst>
+            <a:ext uri="{909E8E84-426E-40DD-AFC4-6F175D3DCCD1}">
+              <a14:hiddenFill xmlns:a14="http://schemas.microsoft.com/office/drawing/2010/main">
+                <a:solidFill>
+                  <a:schemeClr val="accent1"/>
+                </a:solidFill>
+              </a14:hiddenFill>
+            </a:ext>
+            <a:ext uri="{91240B29-F687-4F45-9708-019B960494DF}">
+              <a14:hiddenLine xmlns:a14="http://schemas.microsoft.com/office/drawing/2010/main" w="9525">
+                <a:solidFill>
+                  <a:schemeClr val="tx1"/>
+                </a:solidFill>
+                <a:miter lim="800000"/>
+                <a:headEnd/>
+                <a:tailEnd/>
+              </a14:hiddenLine>
+            </a:ext>
+            <a:ext uri="{AF507438-7753-43E0-B8FC-AC1667EBCBE1}">
+              <a14:hiddenEffects xmlns:a14="http://schemas.microsoft.com/office/drawing/2010/main">
+                <a:effectLst>
+                  <a:outerShdw dist="35921" dir="2700000" algn="ctr" rotWithShape="0">
+                    <a:schemeClr val="bg2"/>
+                  </a:outerShdw>
+                </a:effectLst>
+              </a14:hiddenEffects>
+            </a:ext>
+          </a:extLst>
+        </p:spPr>
+      </p:pic>
+    </p:spTree>
+    <p:extLst>
+      <p:ext uri="{BB962C8B-B14F-4D97-AF65-F5344CB8AC3E}">
+        <p14:creationId xmlns:p14="http://schemas.microsoft.com/office/powerpoint/2010/main" val="2445933609"/>
+      </p:ext>
+    </p:extLst>
+  </p:cSld>
+  <p:clrMapOvr>
+    <a:masterClrMapping/>
+  </p:clrMapOvr>
+  <p:timing>
+    <p:tnLst>
+      <p:par>
+        <p:cTn id="1" dur="indefinite" restart="never" nodeType="tmRoot"/>
+      </p:par>
+    </p:tnLst>
+  </p:timing>
+</p:sld>
+</file>
+
+<file path=ppt/slides/slide43.xml><?xml version="1.0" encoding="utf-8"?>
+<p:sld xmlns:a="http://schemas.openxmlformats.org/drawingml/2006/main" xmlns:r="http://schemas.openxmlformats.org/officeDocument/2006/relationships" xmlns:p="http://schemas.openxmlformats.org/presentationml/2006/main">
+  <p:cSld>
+    <p:spTree>
+      <p:nvGrpSpPr>
+        <p:cNvPr id="1" name=""/>
+        <p:cNvGrpSpPr/>
+        <p:nvPr/>
+      </p:nvGrpSpPr>
+      <p:grpSpPr>
+        <a:xfrm>
+          <a:off x="0" y="0"/>
+          <a:ext cx="0" cy="0"/>
+          <a:chOff x="0" y="0"/>
+          <a:chExt cx="0" cy="0"/>
+        </a:xfrm>
+      </p:grpSpPr>
+      <p:sp>
+        <p:nvSpPr>
+          <p:cNvPr id="2" name="标题 1"/>
+          <p:cNvSpPr>
+            <a:spLocks noGrp="1"/>
+          </p:cNvSpPr>
+          <p:nvPr>
+            <p:ph type="title"/>
+          </p:nvPr>
+        </p:nvSpPr>
+        <p:spPr/>
+        <p:txBody>
+          <a:bodyPr>
             <a:noAutofit/>
           </a:bodyPr>
           <a:lstStyle/>
@@ -24083,7 +25213,7 @@
 </p:sld>
 </file>
 
-<file path=ppt/slides/slide43.xml><?xml version="1.0" encoding="utf-8"?>
+<file path=ppt/slides/slide44.xml><?xml version="1.0" encoding="utf-8"?>
 <p:sld xmlns:a="http://schemas.openxmlformats.org/drawingml/2006/main" xmlns:r="http://schemas.openxmlformats.org/officeDocument/2006/relationships" xmlns:p="http://schemas.openxmlformats.org/presentationml/2006/main">
   <p:cSld>
     <p:spTree>
@@ -24155,7 +25285,7 @@
         </p:spPr>
         <p:txBody>
           <a:bodyPr>
-            <a:normAutofit/>
+            <a:noAutofit/>
           </a:bodyPr>
           <a:lstStyle/>
           <a:p>
@@ -24163,10 +25293,13 @@
               <a:lnSpc>
                 <a:spcPts val="3200"/>
               </a:lnSpc>
+              <a:spcBef>
+                <a:spcPts val="0"/>
+              </a:spcBef>
               <a:defRPr/>
             </a:pPr>
             <a:r>
-              <a:rPr lang="zh-CN" altLang="en-US" sz="2400" dirty="0">
+              <a:rPr lang="zh-CN" altLang="en-US" sz="1800" dirty="0">
                 <a:solidFill>
                   <a:schemeClr val="tx1">
                     <a:lumMod val="85000"/>
@@ -24178,7 +25311,7 @@
               </a:rPr>
               <a:t>表格布局</a:t>
             </a:r>
-            <a:endParaRPr lang="en-US" altLang="zh-CN" sz="2400" dirty="0">
+            <a:endParaRPr lang="en-US" altLang="zh-CN" sz="1800" dirty="0">
               <a:solidFill>
                 <a:schemeClr val="tx1">
                   <a:lumMod val="85000"/>
@@ -24194,10 +25327,13 @@
               <a:lnSpc>
                 <a:spcPts val="3200"/>
               </a:lnSpc>
+              <a:spcBef>
+                <a:spcPts val="0"/>
+              </a:spcBef>
               <a:defRPr/>
             </a:pPr>
             <a:r>
-              <a:rPr lang="zh-CN" altLang="en-US" sz="2400" dirty="0">
+              <a:rPr lang="zh-CN" altLang="en-US" sz="1800" dirty="0">
                 <a:solidFill>
                   <a:schemeClr val="tx1">
                     <a:lumMod val="85000"/>
@@ -24210,7 +25346,7 @@
               <a:t>表格布局（</a:t>
             </a:r>
             <a:r>
-              <a:rPr lang="en-US" sz="2400" dirty="0" err="1">
+              <a:rPr lang="en-US" sz="1800" dirty="0" err="1">
                 <a:solidFill>
                   <a:schemeClr val="tx1">
                     <a:lumMod val="85000"/>
@@ -24223,7 +25359,7 @@
               <a:t>TableLayout</a:t>
             </a:r>
             <a:r>
-              <a:rPr lang="zh-CN" altLang="en-US" sz="2400" dirty="0">
+              <a:rPr lang="zh-CN" altLang="en-US" sz="1800" dirty="0">
                 <a:solidFill>
                   <a:schemeClr val="tx1">
                     <a:lumMod val="85000"/>
@@ -24236,7 +25372,7 @@
               <a:t>）也是一种常用的界面布局，继承了</a:t>
             </a:r>
             <a:r>
-              <a:rPr lang="en-US" altLang="zh-CN" sz="2400" dirty="0" err="1">
+              <a:rPr lang="en-US" altLang="zh-CN" sz="1800" dirty="0" err="1">
                 <a:solidFill>
                   <a:schemeClr val="tx1">
                     <a:lumMod val="85000"/>
@@ -24249,7 +25385,7 @@
               <a:t>LinearLayout</a:t>
             </a:r>
             <a:r>
-              <a:rPr lang="zh-CN" altLang="en-US" sz="2400" dirty="0">
+              <a:rPr lang="zh-CN" altLang="en-US" sz="1800" dirty="0">
                 <a:solidFill>
                   <a:schemeClr val="tx1">
                     <a:lumMod val="85000"/>
@@ -24262,7 +25398,7 @@
               <a:t>，采用</a:t>
             </a:r>
             <a:r>
-              <a:rPr lang="zh-CN" altLang="en-US" sz="2400" dirty="0">
+              <a:rPr lang="zh-CN" altLang="en-US" sz="1800" dirty="0">
                 <a:solidFill>
                   <a:srgbClr val="C00000"/>
                 </a:solidFill>
@@ -24272,7 +25408,7 @@
               <a:t>行和列</a:t>
             </a:r>
             <a:r>
-              <a:rPr lang="zh-CN" altLang="en-US" sz="2400" dirty="0">
+              <a:rPr lang="zh-CN" altLang="en-US" sz="1800" dirty="0">
                 <a:solidFill>
                   <a:schemeClr val="tx1">
                     <a:lumMod val="85000"/>
@@ -24285,7 +25421,7 @@
               <a:t>的形式来管理</a:t>
             </a:r>
             <a:r>
-              <a:rPr lang="en-US" altLang="zh-CN" sz="2400" dirty="0">
+              <a:rPr lang="en-US" altLang="zh-CN" sz="1800" dirty="0">
                 <a:solidFill>
                   <a:schemeClr val="tx1">
                     <a:lumMod val="85000"/>
@@ -24298,7 +25434,7 @@
               <a:t>UI</a:t>
             </a:r>
             <a:r>
-              <a:rPr lang="zh-CN" altLang="en-US" sz="2400" dirty="0">
+              <a:rPr lang="zh-CN" altLang="en-US" sz="1800" dirty="0">
                 <a:solidFill>
                   <a:schemeClr val="tx1">
                     <a:lumMod val="85000"/>
@@ -24310,7 +25446,7 @@
               </a:rPr>
               <a:t>组件</a:t>
             </a:r>
-            <a:endParaRPr lang="en-US" altLang="zh-CN" sz="2400" dirty="0">
+            <a:endParaRPr lang="en-US" altLang="zh-CN" sz="1800" dirty="0">
               <a:solidFill>
                 <a:schemeClr val="tx1">
                   <a:lumMod val="85000"/>
@@ -24327,12 +25463,12 @@
                 <a:spcPts val="3200"/>
               </a:lnSpc>
               <a:spcBef>
-                <a:spcPts val="900"/>
+                <a:spcPts val="0"/>
               </a:spcBef>
               <a:defRPr/>
             </a:pPr>
             <a:r>
-              <a:rPr lang="zh-CN" altLang="en-US" sz="2100" dirty="0">
+              <a:rPr lang="zh-CN" altLang="en-US" sz="1600" dirty="0">
                 <a:solidFill>
                   <a:schemeClr val="tx1">
                     <a:lumMod val="85000"/>
@@ -24344,7 +25480,7 @@
               </a:rPr>
               <a:t>表格的边界对用户是不可见的</a:t>
             </a:r>
-            <a:endParaRPr lang="en-US" altLang="zh-CN" sz="2100" dirty="0">
+            <a:endParaRPr lang="en-US" altLang="zh-CN" sz="1600" dirty="0">
               <a:solidFill>
                 <a:schemeClr val="tx1">
                   <a:lumMod val="85000"/>
@@ -24361,12 +25497,12 @@
                 <a:spcPts val="3200"/>
               </a:lnSpc>
               <a:spcBef>
-                <a:spcPts val="900"/>
+                <a:spcPts val="0"/>
               </a:spcBef>
               <a:defRPr/>
             </a:pPr>
             <a:r>
-              <a:rPr lang="zh-CN" altLang="en-US" sz="2100" dirty="0">
+              <a:rPr lang="zh-CN" altLang="en-US" sz="1600" dirty="0">
                 <a:solidFill>
                   <a:schemeClr val="tx1">
                     <a:lumMod val="85000"/>
@@ -24376,9 +25512,35 @@
                 <a:latin typeface="宋体" panose="02010600030101010101" pitchFamily="2" charset="-122"/>
                 <a:ea typeface="宋体" panose="02010600030101010101" pitchFamily="2" charset="-122"/>
               </a:rPr>
-              <a:t>表格布局还支持嵌套，可以将另一个表格布局放置在前一个表格布局的单元格中，也可以在表格布局中添加其他界面布局，例如线性布局、相对布局等等</a:t>
-            </a:r>
-            <a:endParaRPr lang="zh-CN" altLang="en-US" dirty="0">
+              <a:t>表格布局还支持嵌套，可以将另一个表格布局放置在前一个表格布局的单元格中，也可以在表格布局中</a:t>
+            </a:r>
+            <a:r>
+              <a:rPr lang="zh-CN" altLang="en-US" sz="1600" dirty="0">
+                <a:solidFill>
+                  <a:schemeClr val="tx1">
+                    <a:lumMod val="85000"/>
+                    <a:lumOff val="15000"/>
+                  </a:schemeClr>
+                </a:solidFill>
+                <a:latin typeface="宋体" panose="02010600030101010101" pitchFamily="2" charset="-122"/>
+                <a:ea typeface="宋体" panose="02010600030101010101" pitchFamily="2" charset="-122"/>
+              </a:rPr>
+              <a:t>添加其他界面布局，例如线性布局、相对布局</a:t>
+            </a:r>
+            <a:r>
+              <a:rPr lang="zh-CN" altLang="en-US" sz="1600" dirty="0">
+                <a:solidFill>
+                  <a:schemeClr val="tx1">
+                    <a:lumMod val="85000"/>
+                    <a:lumOff val="15000"/>
+                  </a:schemeClr>
+                </a:solidFill>
+                <a:latin typeface="宋体" panose="02010600030101010101" pitchFamily="2" charset="-122"/>
+                <a:ea typeface="宋体" panose="02010600030101010101" pitchFamily="2" charset="-122"/>
+              </a:rPr>
+              <a:t>等等</a:t>
+            </a:r>
+            <a:endParaRPr lang="en-US" altLang="zh-CN" sz="1600" dirty="0">
               <a:solidFill>
                 <a:schemeClr val="tx1">
                   <a:lumMod val="85000"/>
@@ -24388,6 +25550,82 @@
               <a:latin typeface="宋体" panose="02010600030101010101" pitchFamily="2" charset="-122"/>
               <a:ea typeface="宋体" panose="02010600030101010101" pitchFamily="2" charset="-122"/>
             </a:endParaRPr>
+          </a:p>
+          <a:p>
+            <a:pPr lvl="2">
+              <a:lnSpc>
+                <a:spcPts val="3200"/>
+              </a:lnSpc>
+              <a:spcBef>
+                <a:spcPts val="0"/>
+              </a:spcBef>
+              <a:defRPr/>
+            </a:pPr>
+            <a:r>
+              <a:rPr lang="en-US" altLang="zh-CN" sz="1600" dirty="0" err="1">
+                <a:solidFill>
+                  <a:schemeClr val="tx1">
+                    <a:lumMod val="85000"/>
+                    <a:lumOff val="15000"/>
+                  </a:schemeClr>
+                </a:solidFill>
+                <a:latin typeface="宋体" panose="02010600030101010101" pitchFamily="2" charset="-122"/>
+                <a:ea typeface="宋体" panose="02010600030101010101" pitchFamily="2" charset="-122"/>
+              </a:rPr>
+              <a:t>TableRow</a:t>
+            </a:r>
+            <a:r>
+              <a:rPr lang="zh-CN" altLang="en-US" sz="1600" dirty="0">
+                <a:solidFill>
+                  <a:schemeClr val="tx1">
+                    <a:lumMod val="85000"/>
+                    <a:lumOff val="15000"/>
+                  </a:schemeClr>
+                </a:solidFill>
+                <a:latin typeface="宋体" panose="02010600030101010101" pitchFamily="2" charset="-122"/>
+                <a:ea typeface="宋体" panose="02010600030101010101" pitchFamily="2" charset="-122"/>
+              </a:rPr>
+              <a:t>中</a:t>
+            </a:r>
+            <a:r>
+              <a:rPr lang="zh-CN" altLang="en-US" sz="1600" dirty="0">
+                <a:solidFill>
+                  <a:schemeClr val="tx1">
+                    <a:lumMod val="85000"/>
+                    <a:lumOff val="15000"/>
+                  </a:schemeClr>
+                </a:solidFill>
+                <a:latin typeface="宋体" panose="02010600030101010101" pitchFamily="2" charset="-122"/>
+                <a:ea typeface="宋体" panose="02010600030101010101" pitchFamily="2" charset="-122"/>
+              </a:rPr>
+              <a:t>的组件个数就决定了该行有多少列</a:t>
+            </a:r>
+            <a:r>
+              <a:rPr lang="en-US" altLang="zh-CN" sz="1600" dirty="0">
+                <a:solidFill>
+                  <a:schemeClr val="tx1">
+                    <a:lumMod val="85000"/>
+                    <a:lumOff val="15000"/>
+                  </a:schemeClr>
+                </a:solidFill>
+                <a:latin typeface="宋体" panose="02010600030101010101" pitchFamily="2" charset="-122"/>
+                <a:ea typeface="宋体" panose="02010600030101010101" pitchFamily="2" charset="-122"/>
+              </a:rPr>
+              <a:t>,</a:t>
+            </a:r>
+            <a:r>
+              <a:rPr lang="zh-CN" altLang="en-US" sz="1600" dirty="0">
+                <a:solidFill>
+                  <a:schemeClr val="tx1">
+                    <a:lumMod val="85000"/>
+                    <a:lumOff val="15000"/>
+                  </a:schemeClr>
+                </a:solidFill>
+                <a:latin typeface="宋体" panose="02010600030101010101" pitchFamily="2" charset="-122"/>
+                <a:ea typeface="宋体" panose="02010600030101010101" pitchFamily="2" charset="-122"/>
+              </a:rPr>
+              <a:t>而列的宽度由该列中最宽的单元格决定</a:t>
+            </a:r>
           </a:p>
         </p:txBody>
       </p:sp>
@@ -24411,7 +25649,7 @@
 </p:sld>
 </file>
 
-<file path=ppt/slides/slide44.xml><?xml version="1.0" encoding="utf-8"?>
+<file path=ppt/slides/slide45.xml><?xml version="1.0" encoding="utf-8"?>
 <p:sld xmlns:a="http://schemas.openxmlformats.org/drawingml/2006/main" xmlns:r="http://schemas.openxmlformats.org/officeDocument/2006/relationships" xmlns:p="http://schemas.openxmlformats.org/presentationml/2006/main">
   <p:cSld>
     <p:spTree>
@@ -24815,7 +26053,7 @@
             <a:p>
               <a:pPr algn="ctr"/>
               <a:r>
-                <a:rPr lang="en-US" altLang="zh-CN" b="1">
+                <a:rPr lang="en-US" altLang="zh-CN" b="1" dirty="0" err="1">
                   <a:solidFill>
                     <a:schemeClr val="tx1">
                       <a:lumMod val="85000"/>
@@ -24826,7 +26064,7 @@
                 </a:rPr>
                 <a:t>EditText</a:t>
               </a:r>
-              <a:endParaRPr lang="zh-CN" altLang="en-US" b="1">
+              <a:endParaRPr lang="zh-CN" altLang="en-US" b="1" dirty="0">
                 <a:solidFill>
                   <a:schemeClr val="tx1">
                     <a:lumMod val="85000"/>
@@ -25189,7 +26427,7 @@
 </p:sld>
 </file>
 
-<file path=ppt/slides/slide45.xml><?xml version="1.0" encoding="utf-8"?>
+<file path=ppt/slides/slide46.xml><?xml version="1.0" encoding="utf-8"?>
 <p:sld xmlns:a="http://schemas.openxmlformats.org/drawingml/2006/main" xmlns:r="http://schemas.openxmlformats.org/officeDocument/2006/relationships" xmlns:p="http://schemas.openxmlformats.org/presentationml/2006/main">
   <p:cSld>
     <p:spTree>
@@ -25467,21 +26705,21 @@
                 <a:gridCol w="1812908">
                   <a:extLst>
                     <a:ext uri="{9D8B030D-6E8A-4147-A177-3AD203B41FA5}">
-                      <a16:colId xmlns:a16="http://schemas.microsoft.com/office/drawing/2014/main" xmlns="" val="3535278330"/>
+                      <a16:colId xmlns="" xmlns:a16="http://schemas.microsoft.com/office/drawing/2014/main" val="3535278330"/>
                     </a:ext>
                   </a:extLst>
                 </a:gridCol>
                 <a:gridCol w="810090">
                   <a:extLst>
                     <a:ext uri="{9D8B030D-6E8A-4147-A177-3AD203B41FA5}">
-                      <a16:colId xmlns:a16="http://schemas.microsoft.com/office/drawing/2014/main" xmlns="" val="3293780593"/>
+                      <a16:colId xmlns="" xmlns:a16="http://schemas.microsoft.com/office/drawing/2014/main" val="3293780593"/>
                     </a:ext>
                   </a:extLst>
                 </a:gridCol>
                 <a:gridCol w="4644517">
                   <a:extLst>
                     <a:ext uri="{9D8B030D-6E8A-4147-A177-3AD203B41FA5}">
-                      <a16:colId xmlns:a16="http://schemas.microsoft.com/office/drawing/2014/main" xmlns="" val="856597155"/>
+                      <a16:colId xmlns="" xmlns:a16="http://schemas.microsoft.com/office/drawing/2014/main" val="856597155"/>
                     </a:ext>
                   </a:extLst>
                 </a:gridCol>
@@ -25750,7 +26988,7 @@
                 </a:tc>
                 <a:extLst>
                   <a:ext uri="{0D108BD9-81ED-4DB2-BD59-A6C34878D82A}">
-                    <a16:rowId xmlns:a16="http://schemas.microsoft.com/office/drawing/2014/main" xmlns="" val="962677122"/>
+                    <a16:rowId xmlns="" xmlns:a16="http://schemas.microsoft.com/office/drawing/2014/main" val="962677122"/>
                   </a:ext>
                 </a:extLst>
               </a:tr>
@@ -26108,7 +27346,7 @@
                 </a:tc>
                 <a:extLst>
                   <a:ext uri="{0D108BD9-81ED-4DB2-BD59-A6C34878D82A}">
-                    <a16:rowId xmlns:a16="http://schemas.microsoft.com/office/drawing/2014/main" xmlns="" val="583959017"/>
+                    <a16:rowId xmlns="" xmlns:a16="http://schemas.microsoft.com/office/drawing/2014/main" val="583959017"/>
                   </a:ext>
                 </a:extLst>
               </a:tr>
@@ -26207,7 +27445,7 @@
                     <a:p>
                       <a:pPr algn="ctr"/>
                       <a:r>
-                        <a:rPr lang="en-US" altLang="zh-CN" sz="1500" smtClean="0">
+                        <a:rPr lang="en-US" altLang="zh-CN" sz="1500" dirty="0" smtClean="0">
                           <a:solidFill>
                             <a:schemeClr val="tx1">
                               <a:lumMod val="85000"/>
@@ -26220,7 +27458,7 @@
                         <a:t>ID</a:t>
                       </a:r>
                       <a:r>
-                        <a:rPr lang="zh-CN" altLang="en-US" sz="1500" smtClean="0">
+                        <a:rPr lang="zh-CN" altLang="en-US" sz="1500" dirty="0" smtClean="0">
                           <a:solidFill>
                             <a:schemeClr val="tx1">
                               <a:lumMod val="85000"/>
@@ -26232,7 +27470,7 @@
                         </a:rPr>
                         <a:t>值</a:t>
                       </a:r>
-                      <a:endParaRPr lang="zh-CN" altLang="en-US" sz="1500">
+                      <a:endParaRPr lang="zh-CN" altLang="en-US" sz="1500" dirty="0">
                         <a:solidFill>
                           <a:schemeClr val="tx1">
                             <a:lumMod val="85000"/>
@@ -26306,7 +27544,7 @@
                     <a:lstStyle/>
                     <a:p>
                       <a:r>
-                        <a:rPr lang="zh-CN" altLang="en-US" sz="1500" smtClean="0">
+                        <a:rPr lang="zh-CN" altLang="en-US" sz="1500" dirty="0" smtClean="0">
                           <a:solidFill>
                             <a:schemeClr val="tx1">
                               <a:lumMod val="85000"/>
@@ -26319,7 +27557,7 @@
                         <a:t>设置自动收缩哪些列，列</a:t>
                       </a:r>
                       <a:r>
-                        <a:rPr lang="en-US" altLang="zh-CN" sz="1500" smtClean="0">
+                        <a:rPr lang="en-US" altLang="zh-CN" sz="1500" dirty="0" smtClean="0">
                           <a:solidFill>
                             <a:schemeClr val="tx1">
                               <a:lumMod val="85000"/>
@@ -26332,7 +27570,7 @@
                         <a:t>ID</a:t>
                       </a:r>
                       <a:r>
-                        <a:rPr lang="zh-CN" altLang="en-US" sz="1500" smtClean="0">
+                        <a:rPr lang="zh-CN" altLang="en-US" sz="1500" dirty="0" smtClean="0">
                           <a:solidFill>
                             <a:schemeClr val="tx1">
                               <a:lumMod val="85000"/>
@@ -26345,7 +27583,7 @@
                         <a:t>从</a:t>
                       </a:r>
                       <a:r>
-                        <a:rPr lang="en-US" altLang="zh-CN" sz="1500" smtClean="0">
+                        <a:rPr lang="en-US" altLang="zh-CN" sz="1500" dirty="0" smtClean="0">
                           <a:solidFill>
                             <a:schemeClr val="tx1">
                               <a:lumMod val="85000"/>
@@ -26358,7 +27596,7 @@
                         <a:t>0</a:t>
                       </a:r>
                       <a:r>
-                        <a:rPr lang="zh-CN" altLang="en-US" sz="1500" smtClean="0">
+                        <a:rPr lang="zh-CN" altLang="en-US" sz="1500" dirty="0" smtClean="0">
                           <a:solidFill>
                             <a:schemeClr val="tx1">
                               <a:lumMod val="85000"/>
@@ -26371,7 +27609,7 @@
                         <a:t>开始，多格列的话用“</a:t>
                       </a:r>
                       <a:r>
-                        <a:rPr lang="en-US" altLang="zh-CN" sz="1500" smtClean="0">
+                        <a:rPr lang="en-US" altLang="zh-CN" sz="1500" dirty="0" smtClean="0">
                           <a:solidFill>
                             <a:schemeClr val="tx1">
                               <a:lumMod val="85000"/>
@@ -26384,7 +27622,7 @@
                         <a:t>,</a:t>
                       </a:r>
                       <a:r>
-                        <a:rPr lang="zh-CN" altLang="en-US" sz="1500" smtClean="0">
+                        <a:rPr lang="zh-CN" altLang="en-US" sz="1500" dirty="0" smtClean="0">
                           <a:solidFill>
                             <a:schemeClr val="tx1">
                               <a:lumMod val="85000"/>
@@ -26396,7 +27634,7 @@
                         </a:rPr>
                         <a:t>”分隔</a:t>
                       </a:r>
-                      <a:endParaRPr lang="zh-CN" altLang="en-US" sz="1500">
+                      <a:endParaRPr lang="zh-CN" altLang="en-US" sz="1500" dirty="0">
                         <a:solidFill>
                           <a:schemeClr val="tx1">
                             <a:lumMod val="85000"/>
@@ -26466,7 +27704,7 @@
                 </a:tc>
                 <a:extLst>
                   <a:ext uri="{0D108BD9-81ED-4DB2-BD59-A6C34878D82A}">
-                    <a16:rowId xmlns:a16="http://schemas.microsoft.com/office/drawing/2014/main" xmlns="" val="58888018"/>
+                    <a16:rowId xmlns="" xmlns:a16="http://schemas.microsoft.com/office/drawing/2014/main" val="58888018"/>
                   </a:ext>
                 </a:extLst>
               </a:tr>
@@ -26824,7 +28062,7 @@
                 </a:tc>
                 <a:extLst>
                   <a:ext uri="{0D108BD9-81ED-4DB2-BD59-A6C34878D82A}">
-                    <a16:rowId xmlns:a16="http://schemas.microsoft.com/office/drawing/2014/main" xmlns="" val="1566399834"/>
+                    <a16:rowId xmlns="" xmlns:a16="http://schemas.microsoft.com/office/drawing/2014/main" val="1566399834"/>
                   </a:ext>
                 </a:extLst>
               </a:tr>
@@ -27104,7 +28342,7 @@
                 </a:tc>
                 <a:extLst>
                   <a:ext uri="{0D108BD9-81ED-4DB2-BD59-A6C34878D82A}">
-                    <a16:rowId xmlns:a16="http://schemas.microsoft.com/office/drawing/2014/main" xmlns="" val="2619833025"/>
+                    <a16:rowId xmlns="" xmlns:a16="http://schemas.microsoft.com/office/drawing/2014/main" val="2619833025"/>
                   </a:ext>
                 </a:extLst>
               </a:tr>
@@ -27371,7 +28609,7 @@
                 </a:tc>
                 <a:extLst>
                   <a:ext uri="{0D108BD9-81ED-4DB2-BD59-A6C34878D82A}">
-                    <a16:rowId xmlns:a16="http://schemas.microsoft.com/office/drawing/2014/main" xmlns="" val="2591489686"/>
+                    <a16:rowId xmlns="" xmlns:a16="http://schemas.microsoft.com/office/drawing/2014/main" val="2591489686"/>
                   </a:ext>
                 </a:extLst>
               </a:tr>
@@ -27399,7 +28637,7 @@
 </p:sld>
 </file>
 
-<file path=ppt/slides/slide46.xml><?xml version="1.0" encoding="utf-8"?>
+<file path=ppt/slides/slide47.xml><?xml version="1.0" encoding="utf-8"?>
 <p:sld xmlns:a="http://schemas.openxmlformats.org/drawingml/2006/main" xmlns:r="http://schemas.openxmlformats.org/officeDocument/2006/relationships" xmlns:p="http://schemas.openxmlformats.org/presentationml/2006/main">
   <p:cSld>
     <p:spTree>
@@ -27504,7 +28742,7 @@
 </p:sld>
 </file>
 
-<file path=ppt/slides/slide47.xml><?xml version="1.0" encoding="utf-8"?>
+<file path=ppt/slides/slide48.xml><?xml version="1.0" encoding="utf-8"?>
 <p:sld xmlns:a="http://schemas.openxmlformats.org/drawingml/2006/main" xmlns:r="http://schemas.openxmlformats.org/officeDocument/2006/relationships" xmlns:p="http://schemas.openxmlformats.org/presentationml/2006/main">
   <p:cSld>
     <p:spTree>
@@ -28670,7 +29908,7 @@
 </p:sld>
 </file>
 
-<file path=ppt/slides/slide48.xml><?xml version="1.0" encoding="utf-8"?>
+<file path=ppt/slides/slide49.xml><?xml version="1.0" encoding="utf-8"?>
 <p:sld xmlns:a="http://schemas.openxmlformats.org/drawingml/2006/main" xmlns:r="http://schemas.openxmlformats.org/officeDocument/2006/relationships" xmlns:p="http://schemas.openxmlformats.org/presentationml/2006/main">
   <p:cSld>
     <p:spTree>
@@ -29730,269 +30968,6 @@
     <p:extLst>
       <p:ext uri="{BB962C8B-B14F-4D97-AF65-F5344CB8AC3E}">
         <p14:creationId xmlns:p14="http://schemas.microsoft.com/office/powerpoint/2010/main" val="2518978526"/>
-      </p:ext>
-    </p:extLst>
-  </p:cSld>
-  <p:clrMapOvr>
-    <a:masterClrMapping/>
-  </p:clrMapOvr>
-  <p:timing>
-    <p:tnLst>
-      <p:par>
-        <p:cTn id="1" dur="indefinite" restart="never" nodeType="tmRoot"/>
-      </p:par>
-    </p:tnLst>
-  </p:timing>
-</p:sld>
-</file>
-
-<file path=ppt/slides/slide49.xml><?xml version="1.0" encoding="utf-8"?>
-<p:sld xmlns:a="http://schemas.openxmlformats.org/drawingml/2006/main" xmlns:r="http://schemas.openxmlformats.org/officeDocument/2006/relationships" xmlns:p="http://schemas.openxmlformats.org/presentationml/2006/main">
-  <p:cSld>
-    <p:spTree>
-      <p:nvGrpSpPr>
-        <p:cNvPr id="1" name=""/>
-        <p:cNvGrpSpPr/>
-        <p:nvPr/>
-      </p:nvGrpSpPr>
-      <p:grpSpPr>
-        <a:xfrm>
-          <a:off x="0" y="0"/>
-          <a:ext cx="0" cy="0"/>
-          <a:chOff x="0" y="0"/>
-          <a:chExt cx="0" cy="0"/>
-        </a:xfrm>
-      </p:grpSpPr>
-      <p:sp>
-        <p:nvSpPr>
-          <p:cNvPr id="2" name="标题 1"/>
-          <p:cNvSpPr>
-            <a:spLocks noGrp="1"/>
-          </p:cNvSpPr>
-          <p:nvPr>
-            <p:ph type="title"/>
-          </p:nvPr>
-        </p:nvSpPr>
-        <p:spPr/>
-        <p:txBody>
-          <a:bodyPr>
-            <a:noAutofit/>
-          </a:bodyPr>
-          <a:lstStyle/>
-          <a:p>
-            <a:pPr>
-              <a:defRPr/>
-            </a:pPr>
-            <a:r>
-              <a:rPr lang="en-US" altLang="zh-CN" sz="3600" dirty="0">
-                <a:latin typeface="宋体" panose="02010600030101010101" pitchFamily="2" charset="-122"/>
-                <a:ea typeface="宋体" panose="02010600030101010101" pitchFamily="2" charset="-122"/>
-              </a:rPr>
-              <a:t>Android</a:t>
-            </a:r>
-            <a:r>
-              <a:rPr lang="zh-CN" altLang="en-US" sz="3600" dirty="0">
-                <a:latin typeface="宋体" panose="02010600030101010101" pitchFamily="2" charset="-122"/>
-                <a:ea typeface="宋体" panose="02010600030101010101" pitchFamily="2" charset="-122"/>
-              </a:rPr>
-              <a:t>中帧布局的使用</a:t>
-            </a:r>
-          </a:p>
-        </p:txBody>
-      </p:sp>
-      <p:sp>
-        <p:nvSpPr>
-          <p:cNvPr id="3" name="内容占位符 2"/>
-          <p:cNvSpPr>
-            <a:spLocks noGrp="1"/>
-          </p:cNvSpPr>
-          <p:nvPr>
-            <p:ph idx="1"/>
-          </p:nvPr>
-        </p:nvSpPr>
-        <p:spPr>
-          <a:xfrm>
-            <a:off x="395536" y="771550"/>
-            <a:ext cx="8352928" cy="3747863"/>
-          </a:xfrm>
-        </p:spPr>
-        <p:txBody>
-          <a:bodyPr>
-            <a:noAutofit/>
-          </a:bodyPr>
-          <a:lstStyle/>
-          <a:p>
-            <a:pPr>
-              <a:defRPr/>
-            </a:pPr>
-            <a:r>
-              <a:rPr lang="zh-CN" altLang="en-US" sz="2400" dirty="0">
-                <a:latin typeface="宋体" panose="02010600030101010101" pitchFamily="2" charset="-122"/>
-                <a:ea typeface="宋体" panose="02010600030101010101" pitchFamily="2" charset="-122"/>
-              </a:rPr>
-              <a:t>帧布局</a:t>
-            </a:r>
-            <a:endParaRPr lang="en-US" altLang="zh-CN" sz="2400" dirty="0">
-              <a:latin typeface="宋体" panose="02010600030101010101" pitchFamily="2" charset="-122"/>
-              <a:ea typeface="宋体" panose="02010600030101010101" pitchFamily="2" charset="-122"/>
-            </a:endParaRPr>
-          </a:p>
-          <a:p>
-            <a:pPr lvl="1">
-              <a:lnSpc>
-                <a:spcPct val="120000"/>
-              </a:lnSpc>
-              <a:spcBef>
-                <a:spcPts val="900"/>
-              </a:spcBef>
-              <a:defRPr/>
-            </a:pPr>
-            <a:r>
-              <a:rPr lang="zh-CN" altLang="en-US" sz="2400" dirty="0">
-                <a:latin typeface="宋体" panose="02010600030101010101" pitchFamily="2" charset="-122"/>
-                <a:ea typeface="宋体" panose="02010600030101010101" pitchFamily="2" charset="-122"/>
-              </a:rPr>
-              <a:t>帧</a:t>
-            </a:r>
-            <a:r>
-              <a:rPr lang="zh-CN" altLang="zh-CN" sz="2400" dirty="0">
-                <a:latin typeface="宋体" panose="02010600030101010101" pitchFamily="2" charset="-122"/>
-                <a:ea typeface="宋体" panose="02010600030101010101" pitchFamily="2" charset="-122"/>
-              </a:rPr>
-              <a:t>布局（</a:t>
-            </a:r>
-            <a:r>
-              <a:rPr lang="en-US" altLang="zh-CN" sz="2400" dirty="0" err="1">
-                <a:latin typeface="宋体" panose="02010600030101010101" pitchFamily="2" charset="-122"/>
-                <a:ea typeface="宋体" panose="02010600030101010101" pitchFamily="2" charset="-122"/>
-              </a:rPr>
-              <a:t>FrameLayout</a:t>
-            </a:r>
-            <a:r>
-              <a:rPr lang="zh-CN" altLang="zh-CN" sz="2400" dirty="0">
-                <a:latin typeface="宋体" panose="02010600030101010101" pitchFamily="2" charset="-122"/>
-                <a:ea typeface="宋体" panose="02010600030101010101" pitchFamily="2" charset="-122"/>
-              </a:rPr>
-              <a:t>）</a:t>
-            </a:r>
-            <a:r>
-              <a:rPr lang="zh-CN" altLang="en-US" sz="2400" dirty="0">
-                <a:latin typeface="宋体" panose="02010600030101010101" pitchFamily="2" charset="-122"/>
-                <a:ea typeface="宋体" panose="02010600030101010101" pitchFamily="2" charset="-122"/>
-              </a:rPr>
-              <a:t>又称为框架布局，</a:t>
-            </a:r>
-            <a:r>
-              <a:rPr lang="zh-CN" altLang="zh-CN" sz="2400" dirty="0">
-                <a:latin typeface="宋体" panose="02010600030101010101" pitchFamily="2" charset="-122"/>
-                <a:ea typeface="宋体" panose="02010600030101010101" pitchFamily="2" charset="-122"/>
-              </a:rPr>
-              <a:t>是最简单的界面布局，</a:t>
-            </a:r>
-            <a:r>
-              <a:rPr lang="zh-CN" altLang="en-US" sz="2400" dirty="0">
-                <a:latin typeface="宋体" panose="02010600030101010101" pitchFamily="2" charset="-122"/>
-                <a:ea typeface="宋体" panose="02010600030101010101" pitchFamily="2" charset="-122"/>
-              </a:rPr>
-              <a:t>所有放在布局内的控件，都按照层次堆叠在屏幕左上角。</a:t>
-            </a:r>
-            <a:endParaRPr lang="en-US" altLang="zh-CN" sz="2400" dirty="0">
-              <a:latin typeface="宋体" panose="02010600030101010101" pitchFamily="2" charset="-122"/>
-              <a:ea typeface="宋体" panose="02010600030101010101" pitchFamily="2" charset="-122"/>
-            </a:endParaRPr>
-          </a:p>
-          <a:p>
-            <a:pPr lvl="1">
-              <a:lnSpc>
-                <a:spcPct val="120000"/>
-              </a:lnSpc>
-              <a:spcBef>
-                <a:spcPts val="900"/>
-              </a:spcBef>
-              <a:defRPr/>
-            </a:pPr>
-            <a:r>
-              <a:rPr lang="zh-CN" altLang="zh-CN" sz="2400" dirty="0">
-                <a:latin typeface="宋体" panose="02010600030101010101" pitchFamily="2" charset="-122"/>
-                <a:ea typeface="宋体" panose="02010600030101010101" pitchFamily="2" charset="-122"/>
-              </a:rPr>
-              <a:t>如果有多</a:t>
-            </a:r>
-            <a:r>
-              <a:rPr lang="zh-CN" altLang="en-US" sz="2400" dirty="0">
-                <a:latin typeface="宋体" panose="02010600030101010101" pitchFamily="2" charset="-122"/>
-                <a:ea typeface="宋体" panose="02010600030101010101" pitchFamily="2" charset="-122"/>
-              </a:rPr>
-              <a:t>个控件</a:t>
-            </a:r>
-            <a:r>
-              <a:rPr lang="zh-CN" altLang="zh-CN" sz="2400" dirty="0">
-                <a:latin typeface="宋体" panose="02010600030101010101" pitchFamily="2" charset="-122"/>
-                <a:ea typeface="宋体" panose="02010600030101010101" pitchFamily="2" charset="-122"/>
-              </a:rPr>
-              <a:t>，后放置的子元素将遮挡先放置的</a:t>
-            </a:r>
-            <a:r>
-              <a:rPr lang="zh-CN" altLang="en-US" sz="2400" dirty="0">
-                <a:latin typeface="宋体" panose="02010600030101010101" pitchFamily="2" charset="-122"/>
-                <a:ea typeface="宋体" panose="02010600030101010101" pitchFamily="2" charset="-122"/>
-              </a:rPr>
-              <a:t>控件，即默认情况下</a:t>
-            </a:r>
-            <a:r>
-              <a:rPr lang="en-US" altLang="zh-CN" sz="2400" dirty="0" err="1">
-                <a:latin typeface="宋体" panose="02010600030101010101" pitchFamily="2" charset="-122"/>
-                <a:ea typeface="宋体" panose="02010600030101010101" pitchFamily="2" charset="-122"/>
-              </a:rPr>
-              <a:t>FrameLayout</a:t>
-            </a:r>
-            <a:r>
-              <a:rPr lang="zh-CN" altLang="en-US" sz="2400" dirty="0">
-                <a:latin typeface="宋体" panose="02010600030101010101" pitchFamily="2" charset="-122"/>
-                <a:ea typeface="宋体" panose="02010600030101010101" pitchFamily="2" charset="-122"/>
-              </a:rPr>
-              <a:t>里的控件是左上角对齐。</a:t>
-            </a:r>
-            <a:endParaRPr lang="en-US" altLang="zh-CN" sz="2400" dirty="0">
-              <a:latin typeface="宋体" panose="02010600030101010101" pitchFamily="2" charset="-122"/>
-              <a:ea typeface="宋体" panose="02010600030101010101" pitchFamily="2" charset="-122"/>
-            </a:endParaRPr>
-          </a:p>
-          <a:p>
-            <a:pPr lvl="1">
-              <a:lnSpc>
-                <a:spcPct val="120000"/>
-              </a:lnSpc>
-              <a:spcBef>
-                <a:spcPts val="900"/>
-              </a:spcBef>
-              <a:defRPr/>
-            </a:pPr>
-            <a:r>
-              <a:rPr lang="en-US" altLang="zh-CN" sz="2400" dirty="0" err="1">
-                <a:latin typeface="宋体" panose="02010600030101010101" pitchFamily="2" charset="-122"/>
-                <a:ea typeface="宋体" panose="02010600030101010101" pitchFamily="2" charset="-122"/>
-              </a:rPr>
-              <a:t>FrameLayout</a:t>
-            </a:r>
-            <a:r>
-              <a:rPr lang="zh-CN" altLang="en-US" sz="2400" dirty="0">
-                <a:latin typeface="宋体" panose="02010600030101010101" pitchFamily="2" charset="-122"/>
-                <a:ea typeface="宋体" panose="02010600030101010101" pitchFamily="2" charset="-122"/>
-              </a:rPr>
-              <a:t> 就像画布，固定从屏幕的左上角开始填充图片，文字等。</a:t>
-            </a:r>
-            <a:endParaRPr lang="zh-CN" altLang="zh-CN" sz="2400" dirty="0">
-              <a:latin typeface="宋体" panose="02010600030101010101" pitchFamily="2" charset="-122"/>
-              <a:ea typeface="宋体" panose="02010600030101010101" pitchFamily="2" charset="-122"/>
-            </a:endParaRPr>
-          </a:p>
-        </p:txBody>
-      </p:sp>
-    </p:spTree>
-    <p:extLst>
-      <p:ext uri="{BB962C8B-B14F-4D97-AF65-F5344CB8AC3E}">
-        <p14:creationId xmlns:p14="http://schemas.microsoft.com/office/powerpoint/2010/main" val="959633934"/>
       </p:ext>
     </p:extLst>
   </p:cSld>
@@ -30436,6 +31411,269 @@
         <p:spPr/>
         <p:txBody>
           <a:bodyPr>
+            <a:noAutofit/>
+          </a:bodyPr>
+          <a:lstStyle/>
+          <a:p>
+            <a:pPr>
+              <a:defRPr/>
+            </a:pPr>
+            <a:r>
+              <a:rPr lang="en-US" altLang="zh-CN" sz="3600" dirty="0">
+                <a:latin typeface="宋体" panose="02010600030101010101" pitchFamily="2" charset="-122"/>
+                <a:ea typeface="宋体" panose="02010600030101010101" pitchFamily="2" charset="-122"/>
+              </a:rPr>
+              <a:t>Android</a:t>
+            </a:r>
+            <a:r>
+              <a:rPr lang="zh-CN" altLang="en-US" sz="3600" dirty="0">
+                <a:latin typeface="宋体" panose="02010600030101010101" pitchFamily="2" charset="-122"/>
+                <a:ea typeface="宋体" panose="02010600030101010101" pitchFamily="2" charset="-122"/>
+              </a:rPr>
+              <a:t>中帧布局的使用</a:t>
+            </a:r>
+          </a:p>
+        </p:txBody>
+      </p:sp>
+      <p:sp>
+        <p:nvSpPr>
+          <p:cNvPr id="3" name="内容占位符 2"/>
+          <p:cNvSpPr>
+            <a:spLocks noGrp="1"/>
+          </p:cNvSpPr>
+          <p:nvPr>
+            <p:ph idx="1"/>
+          </p:nvPr>
+        </p:nvSpPr>
+        <p:spPr>
+          <a:xfrm>
+            <a:off x="395536" y="771550"/>
+            <a:ext cx="8352928" cy="3747863"/>
+          </a:xfrm>
+        </p:spPr>
+        <p:txBody>
+          <a:bodyPr>
+            <a:noAutofit/>
+          </a:bodyPr>
+          <a:lstStyle/>
+          <a:p>
+            <a:pPr>
+              <a:defRPr/>
+            </a:pPr>
+            <a:r>
+              <a:rPr lang="zh-CN" altLang="en-US" sz="2400" dirty="0">
+                <a:latin typeface="宋体" panose="02010600030101010101" pitchFamily="2" charset="-122"/>
+                <a:ea typeface="宋体" panose="02010600030101010101" pitchFamily="2" charset="-122"/>
+              </a:rPr>
+              <a:t>帧布局</a:t>
+            </a:r>
+            <a:endParaRPr lang="en-US" altLang="zh-CN" sz="2400" dirty="0">
+              <a:latin typeface="宋体" panose="02010600030101010101" pitchFamily="2" charset="-122"/>
+              <a:ea typeface="宋体" panose="02010600030101010101" pitchFamily="2" charset="-122"/>
+            </a:endParaRPr>
+          </a:p>
+          <a:p>
+            <a:pPr lvl="1">
+              <a:lnSpc>
+                <a:spcPct val="120000"/>
+              </a:lnSpc>
+              <a:spcBef>
+                <a:spcPts val="900"/>
+              </a:spcBef>
+              <a:defRPr/>
+            </a:pPr>
+            <a:r>
+              <a:rPr lang="zh-CN" altLang="en-US" sz="2400" dirty="0">
+                <a:latin typeface="宋体" panose="02010600030101010101" pitchFamily="2" charset="-122"/>
+                <a:ea typeface="宋体" panose="02010600030101010101" pitchFamily="2" charset="-122"/>
+              </a:rPr>
+              <a:t>帧</a:t>
+            </a:r>
+            <a:r>
+              <a:rPr lang="zh-CN" altLang="zh-CN" sz="2400" dirty="0">
+                <a:latin typeface="宋体" panose="02010600030101010101" pitchFamily="2" charset="-122"/>
+                <a:ea typeface="宋体" panose="02010600030101010101" pitchFamily="2" charset="-122"/>
+              </a:rPr>
+              <a:t>布局（</a:t>
+            </a:r>
+            <a:r>
+              <a:rPr lang="en-US" altLang="zh-CN" sz="2400" dirty="0" err="1">
+                <a:latin typeface="宋体" panose="02010600030101010101" pitchFamily="2" charset="-122"/>
+                <a:ea typeface="宋体" panose="02010600030101010101" pitchFamily="2" charset="-122"/>
+              </a:rPr>
+              <a:t>FrameLayout</a:t>
+            </a:r>
+            <a:r>
+              <a:rPr lang="zh-CN" altLang="zh-CN" sz="2400" dirty="0">
+                <a:latin typeface="宋体" panose="02010600030101010101" pitchFamily="2" charset="-122"/>
+                <a:ea typeface="宋体" panose="02010600030101010101" pitchFamily="2" charset="-122"/>
+              </a:rPr>
+              <a:t>）</a:t>
+            </a:r>
+            <a:r>
+              <a:rPr lang="zh-CN" altLang="en-US" sz="2400" dirty="0">
+                <a:latin typeface="宋体" panose="02010600030101010101" pitchFamily="2" charset="-122"/>
+                <a:ea typeface="宋体" panose="02010600030101010101" pitchFamily="2" charset="-122"/>
+              </a:rPr>
+              <a:t>又称为框架布局，</a:t>
+            </a:r>
+            <a:r>
+              <a:rPr lang="zh-CN" altLang="zh-CN" sz="2400" dirty="0">
+                <a:latin typeface="宋体" panose="02010600030101010101" pitchFamily="2" charset="-122"/>
+                <a:ea typeface="宋体" panose="02010600030101010101" pitchFamily="2" charset="-122"/>
+              </a:rPr>
+              <a:t>是最简单的界面布局，</a:t>
+            </a:r>
+            <a:r>
+              <a:rPr lang="zh-CN" altLang="en-US" sz="2400" dirty="0">
+                <a:latin typeface="宋体" panose="02010600030101010101" pitchFamily="2" charset="-122"/>
+                <a:ea typeface="宋体" panose="02010600030101010101" pitchFamily="2" charset="-122"/>
+              </a:rPr>
+              <a:t>所有放在布局内的控件，都按照层次堆叠在屏幕左上角。</a:t>
+            </a:r>
+            <a:endParaRPr lang="en-US" altLang="zh-CN" sz="2400" dirty="0">
+              <a:latin typeface="宋体" panose="02010600030101010101" pitchFamily="2" charset="-122"/>
+              <a:ea typeface="宋体" panose="02010600030101010101" pitchFamily="2" charset="-122"/>
+            </a:endParaRPr>
+          </a:p>
+          <a:p>
+            <a:pPr lvl="1">
+              <a:lnSpc>
+                <a:spcPct val="120000"/>
+              </a:lnSpc>
+              <a:spcBef>
+                <a:spcPts val="900"/>
+              </a:spcBef>
+              <a:defRPr/>
+            </a:pPr>
+            <a:r>
+              <a:rPr lang="zh-CN" altLang="zh-CN" sz="2400" dirty="0">
+                <a:latin typeface="宋体" panose="02010600030101010101" pitchFamily="2" charset="-122"/>
+                <a:ea typeface="宋体" panose="02010600030101010101" pitchFamily="2" charset="-122"/>
+              </a:rPr>
+              <a:t>如果有多</a:t>
+            </a:r>
+            <a:r>
+              <a:rPr lang="zh-CN" altLang="en-US" sz="2400" dirty="0">
+                <a:latin typeface="宋体" panose="02010600030101010101" pitchFamily="2" charset="-122"/>
+                <a:ea typeface="宋体" panose="02010600030101010101" pitchFamily="2" charset="-122"/>
+              </a:rPr>
+              <a:t>个控件</a:t>
+            </a:r>
+            <a:r>
+              <a:rPr lang="zh-CN" altLang="zh-CN" sz="2400" dirty="0">
+                <a:latin typeface="宋体" panose="02010600030101010101" pitchFamily="2" charset="-122"/>
+                <a:ea typeface="宋体" panose="02010600030101010101" pitchFamily="2" charset="-122"/>
+              </a:rPr>
+              <a:t>，后放置的子元素将遮挡先放置的</a:t>
+            </a:r>
+            <a:r>
+              <a:rPr lang="zh-CN" altLang="en-US" sz="2400" dirty="0">
+                <a:latin typeface="宋体" panose="02010600030101010101" pitchFamily="2" charset="-122"/>
+                <a:ea typeface="宋体" panose="02010600030101010101" pitchFamily="2" charset="-122"/>
+              </a:rPr>
+              <a:t>控件，即默认情况下</a:t>
+            </a:r>
+            <a:r>
+              <a:rPr lang="en-US" altLang="zh-CN" sz="2400" dirty="0" err="1">
+                <a:latin typeface="宋体" panose="02010600030101010101" pitchFamily="2" charset="-122"/>
+                <a:ea typeface="宋体" panose="02010600030101010101" pitchFamily="2" charset="-122"/>
+              </a:rPr>
+              <a:t>FrameLayout</a:t>
+            </a:r>
+            <a:r>
+              <a:rPr lang="zh-CN" altLang="en-US" sz="2400" dirty="0">
+                <a:latin typeface="宋体" panose="02010600030101010101" pitchFamily="2" charset="-122"/>
+                <a:ea typeface="宋体" panose="02010600030101010101" pitchFamily="2" charset="-122"/>
+              </a:rPr>
+              <a:t>里的控件是左上角对齐。</a:t>
+            </a:r>
+            <a:endParaRPr lang="en-US" altLang="zh-CN" sz="2400" dirty="0">
+              <a:latin typeface="宋体" panose="02010600030101010101" pitchFamily="2" charset="-122"/>
+              <a:ea typeface="宋体" panose="02010600030101010101" pitchFamily="2" charset="-122"/>
+            </a:endParaRPr>
+          </a:p>
+          <a:p>
+            <a:pPr lvl="1">
+              <a:lnSpc>
+                <a:spcPct val="120000"/>
+              </a:lnSpc>
+              <a:spcBef>
+                <a:spcPts val="900"/>
+              </a:spcBef>
+              <a:defRPr/>
+            </a:pPr>
+            <a:r>
+              <a:rPr lang="en-US" altLang="zh-CN" sz="2400" dirty="0" err="1">
+                <a:latin typeface="宋体" panose="02010600030101010101" pitchFamily="2" charset="-122"/>
+                <a:ea typeface="宋体" panose="02010600030101010101" pitchFamily="2" charset="-122"/>
+              </a:rPr>
+              <a:t>FrameLayout</a:t>
+            </a:r>
+            <a:r>
+              <a:rPr lang="zh-CN" altLang="en-US" sz="2400" dirty="0">
+                <a:latin typeface="宋体" panose="02010600030101010101" pitchFamily="2" charset="-122"/>
+                <a:ea typeface="宋体" panose="02010600030101010101" pitchFamily="2" charset="-122"/>
+              </a:rPr>
+              <a:t> 就像画布，固定从屏幕的左上角开始填充图片，文字等。</a:t>
+            </a:r>
+            <a:endParaRPr lang="zh-CN" altLang="zh-CN" sz="2400" dirty="0">
+              <a:latin typeface="宋体" panose="02010600030101010101" pitchFamily="2" charset="-122"/>
+              <a:ea typeface="宋体" panose="02010600030101010101" pitchFamily="2" charset="-122"/>
+            </a:endParaRPr>
+          </a:p>
+        </p:txBody>
+      </p:sp>
+    </p:spTree>
+    <p:extLst>
+      <p:ext uri="{BB962C8B-B14F-4D97-AF65-F5344CB8AC3E}">
+        <p14:creationId xmlns:p14="http://schemas.microsoft.com/office/powerpoint/2010/main" val="959633934"/>
+      </p:ext>
+    </p:extLst>
+  </p:cSld>
+  <p:clrMapOvr>
+    <a:masterClrMapping/>
+  </p:clrMapOvr>
+  <p:timing>
+    <p:tnLst>
+      <p:par>
+        <p:cTn id="1" dur="indefinite" restart="never" nodeType="tmRoot"/>
+      </p:par>
+    </p:tnLst>
+  </p:timing>
+</p:sld>
+</file>
+
+<file path=ppt/slides/slide51.xml><?xml version="1.0" encoding="utf-8"?>
+<p:sld xmlns:a="http://schemas.openxmlformats.org/drawingml/2006/main" xmlns:r="http://schemas.openxmlformats.org/officeDocument/2006/relationships" xmlns:p="http://schemas.openxmlformats.org/presentationml/2006/main">
+  <p:cSld>
+    <p:spTree>
+      <p:nvGrpSpPr>
+        <p:cNvPr id="1" name=""/>
+        <p:cNvGrpSpPr/>
+        <p:nvPr/>
+      </p:nvGrpSpPr>
+      <p:grpSpPr>
+        <a:xfrm>
+          <a:off x="0" y="0"/>
+          <a:ext cx="0" cy="0"/>
+          <a:chOff x="0" y="0"/>
+          <a:chExt cx="0" cy="0"/>
+        </a:xfrm>
+      </p:grpSpPr>
+      <p:sp>
+        <p:nvSpPr>
+          <p:cNvPr id="2" name="标题 1"/>
+          <p:cNvSpPr>
+            <a:spLocks noGrp="1"/>
+          </p:cNvSpPr>
+          <p:nvPr>
+            <p:ph type="title"/>
+          </p:nvPr>
+        </p:nvSpPr>
+        <p:spPr/>
+        <p:txBody>
+          <a:bodyPr>
             <a:normAutofit fontScale="90000"/>
           </a:bodyPr>
           <a:lstStyle/>
@@ -30641,21 +31879,21 @@
                 <a:gridCol w="2060552">
                   <a:extLst>
                     <a:ext uri="{9D8B030D-6E8A-4147-A177-3AD203B41FA5}">
-                      <a16:colId xmlns:a16="http://schemas.microsoft.com/office/drawing/2014/main" xmlns="" val="3535278330"/>
+                      <a16:colId xmlns="" xmlns:a16="http://schemas.microsoft.com/office/drawing/2014/main" val="3535278330"/>
                     </a:ext>
                   </a:extLst>
                 </a:gridCol>
                 <a:gridCol w="965692">
                   <a:extLst>
                     <a:ext uri="{9D8B030D-6E8A-4147-A177-3AD203B41FA5}">
-                      <a16:colId xmlns:a16="http://schemas.microsoft.com/office/drawing/2014/main" xmlns="" val="3293780593"/>
+                      <a16:colId xmlns="" xmlns:a16="http://schemas.microsoft.com/office/drawing/2014/main" val="3293780593"/>
                     </a:ext>
                   </a:extLst>
                 </a:gridCol>
                 <a:gridCol w="3508484">
                   <a:extLst>
                     <a:ext uri="{9D8B030D-6E8A-4147-A177-3AD203B41FA5}">
-                      <a16:colId xmlns:a16="http://schemas.microsoft.com/office/drawing/2014/main" xmlns="" val="856597155"/>
+                      <a16:colId xmlns="" xmlns:a16="http://schemas.microsoft.com/office/drawing/2014/main" val="856597155"/>
                     </a:ext>
                   </a:extLst>
                 </a:gridCol>
@@ -30924,7 +32162,7 @@
                 </a:tc>
                 <a:extLst>
                   <a:ext uri="{0D108BD9-81ED-4DB2-BD59-A6C34878D82A}">
-                    <a16:rowId xmlns:a16="http://schemas.microsoft.com/office/drawing/2014/main" xmlns="" val="962677122"/>
+                    <a16:rowId xmlns="" xmlns:a16="http://schemas.microsoft.com/office/drawing/2014/main" val="962677122"/>
                   </a:ext>
                 </a:extLst>
               </a:tr>
@@ -31190,7 +32428,7 @@
                 </a:tc>
                 <a:extLst>
                   <a:ext uri="{0D108BD9-81ED-4DB2-BD59-A6C34878D82A}">
-                    <a16:rowId xmlns:a16="http://schemas.microsoft.com/office/drawing/2014/main" xmlns="" val="3324795361"/>
+                    <a16:rowId xmlns="" xmlns:a16="http://schemas.microsoft.com/office/drawing/2014/main" val="3324795361"/>
                   </a:ext>
                 </a:extLst>
               </a:tr>
@@ -31456,7 +32694,7 @@
                 </a:tc>
                 <a:extLst>
                   <a:ext uri="{0D108BD9-81ED-4DB2-BD59-A6C34878D82A}">
-                    <a16:rowId xmlns:a16="http://schemas.microsoft.com/office/drawing/2014/main" xmlns="" val="3666388671"/>
+                    <a16:rowId xmlns="" xmlns:a16="http://schemas.microsoft.com/office/drawing/2014/main" val="3666388671"/>
                   </a:ext>
                 </a:extLst>
               </a:tr>
@@ -31468,6 +32706,1075 @@
     <p:extLst>
       <p:ext uri="{BB962C8B-B14F-4D97-AF65-F5344CB8AC3E}">
         <p14:creationId xmlns:p14="http://schemas.microsoft.com/office/powerpoint/2010/main" val="480325245"/>
+      </p:ext>
+    </p:extLst>
+  </p:cSld>
+  <p:clrMapOvr>
+    <a:masterClrMapping/>
+  </p:clrMapOvr>
+  <p:timing>
+    <p:tnLst>
+      <p:par>
+        <p:cTn id="1" dur="indefinite" restart="never" nodeType="tmRoot"/>
+      </p:par>
+    </p:tnLst>
+  </p:timing>
+</p:sld>
+</file>
+
+<file path=ppt/slides/slide52.xml><?xml version="1.0" encoding="utf-8"?>
+<p:sld xmlns:a="http://schemas.openxmlformats.org/drawingml/2006/main" xmlns:r="http://schemas.openxmlformats.org/officeDocument/2006/relationships" xmlns:p="http://schemas.openxmlformats.org/presentationml/2006/main">
+  <p:cSld>
+    <p:spTree>
+      <p:nvGrpSpPr>
+        <p:cNvPr id="1" name=""/>
+        <p:cNvGrpSpPr/>
+        <p:nvPr/>
+      </p:nvGrpSpPr>
+      <p:grpSpPr>
+        <a:xfrm>
+          <a:off x="0" y="0"/>
+          <a:ext cx="0" cy="0"/>
+          <a:chOff x="0" y="0"/>
+          <a:chExt cx="0" cy="0"/>
+        </a:xfrm>
+      </p:grpSpPr>
+      <p:sp>
+        <p:nvSpPr>
+          <p:cNvPr id="2" name="标题 1"/>
+          <p:cNvSpPr>
+            <a:spLocks noGrp="1"/>
+          </p:cNvSpPr>
+          <p:nvPr>
+            <p:ph type="title"/>
+          </p:nvPr>
+        </p:nvSpPr>
+        <p:spPr/>
+        <p:txBody>
+          <a:bodyPr>
+            <a:noAutofit/>
+          </a:bodyPr>
+          <a:lstStyle/>
+          <a:p>
+            <a:r>
+              <a:rPr lang="zh-CN" altLang="en-US" sz="3600" dirty="0">
+                <a:latin typeface="宋体" panose="02010600030101010101" pitchFamily="2" charset="-122"/>
+                <a:ea typeface="宋体" panose="02010600030101010101" pitchFamily="2" charset="-122"/>
+              </a:rPr>
+              <a:t>框架布局</a:t>
+            </a:r>
+            <a:r>
+              <a:rPr lang="zh-CN" altLang="en-US" sz="3600" dirty="0">
+                <a:latin typeface="宋体" panose="02010600030101010101" pitchFamily="2" charset="-122"/>
+                <a:ea typeface="宋体" panose="02010600030101010101" pitchFamily="2" charset="-122"/>
+              </a:rPr>
+              <a:t>示例</a:t>
+            </a:r>
+          </a:p>
+        </p:txBody>
+      </p:sp>
+      <p:pic>
+        <p:nvPicPr>
+          <p:cNvPr id="3" name="图片 2"/>
+          <p:cNvPicPr>
+            <a:picLocks noChangeAspect="1"/>
+          </p:cNvPicPr>
+          <p:nvPr/>
+        </p:nvPicPr>
+        <p:blipFill>
+          <a:blip r:embed="rId2"/>
+          <a:stretch>
+            <a:fillRect/>
+          </a:stretch>
+        </p:blipFill>
+        <p:spPr>
+          <a:xfrm>
+            <a:off x="2843808" y="1221600"/>
+            <a:ext cx="2970330" cy="3657064"/>
+          </a:xfrm>
+          <a:prstGeom prst="rect">
+            <a:avLst/>
+          </a:prstGeom>
+          <a:ln>
+            <a:solidFill>
+              <a:schemeClr val="bg1">
+                <a:lumMod val="50000"/>
+              </a:schemeClr>
+            </a:solidFill>
+          </a:ln>
+          <a:effectLst>
+            <a:outerShdw blurRad="50800" dist="38100" dir="2700000" algn="tl" rotWithShape="0">
+              <a:prstClr val="black">
+                <a:alpha val="40000"/>
+              </a:prstClr>
+            </a:outerShdw>
+          </a:effectLst>
+        </p:spPr>
+      </p:pic>
+    </p:spTree>
+    <p:extLst>
+      <p:ext uri="{BB962C8B-B14F-4D97-AF65-F5344CB8AC3E}">
+        <p14:creationId xmlns:p14="http://schemas.microsoft.com/office/powerpoint/2010/main" val="3473419973"/>
+      </p:ext>
+    </p:extLst>
+  </p:cSld>
+  <p:clrMapOvr>
+    <a:masterClrMapping/>
+  </p:clrMapOvr>
+  <p:timing>
+    <p:tnLst>
+      <p:par>
+        <p:cTn id="1" dur="indefinite" restart="never" nodeType="tmRoot"/>
+      </p:par>
+    </p:tnLst>
+  </p:timing>
+</p:sld>
+</file>
+
+<file path=ppt/slides/slide53.xml><?xml version="1.0" encoding="utf-8"?>
+<p:sld xmlns:a="http://schemas.openxmlformats.org/drawingml/2006/main" xmlns:r="http://schemas.openxmlformats.org/officeDocument/2006/relationships" xmlns:p="http://schemas.openxmlformats.org/presentationml/2006/main">
+  <p:cSld>
+    <p:spTree>
+      <p:nvGrpSpPr>
+        <p:cNvPr id="1" name=""/>
+        <p:cNvGrpSpPr/>
+        <p:nvPr/>
+      </p:nvGrpSpPr>
+      <p:grpSpPr>
+        <a:xfrm>
+          <a:off x="0" y="0"/>
+          <a:ext cx="0" cy="0"/>
+          <a:chOff x="0" y="0"/>
+          <a:chExt cx="0" cy="0"/>
+        </a:xfrm>
+      </p:grpSpPr>
+      <p:sp>
+        <p:nvSpPr>
+          <p:cNvPr id="2" name="标题 1"/>
+          <p:cNvSpPr>
+            <a:spLocks noGrp="1"/>
+          </p:cNvSpPr>
+          <p:nvPr>
+            <p:ph type="title"/>
+          </p:nvPr>
+        </p:nvSpPr>
+        <p:spPr/>
+        <p:txBody>
+          <a:bodyPr>
+            <a:noAutofit/>
+          </a:bodyPr>
+          <a:lstStyle/>
+          <a:p>
+            <a:pPr>
+              <a:defRPr/>
+            </a:pPr>
+            <a:r>
+              <a:rPr lang="zh-CN" altLang="en-US" sz="3600" dirty="0">
+                <a:latin typeface="宋体" panose="02010600030101010101" pitchFamily="2" charset="-122"/>
+                <a:ea typeface="宋体" panose="02010600030101010101" pitchFamily="2" charset="-122"/>
+              </a:rPr>
+              <a:t>框架</a:t>
+            </a:r>
+            <a:r>
+              <a:rPr lang="zh-CN" altLang="en-US" sz="3600" dirty="0">
+                <a:latin typeface="宋体" panose="02010600030101010101" pitchFamily="2" charset="-122"/>
+                <a:ea typeface="宋体" panose="02010600030101010101" pitchFamily="2" charset="-122"/>
+              </a:rPr>
+              <a:t>布局</a:t>
+            </a:r>
+            <a:r>
+              <a:rPr lang="zh-CN" altLang="en-US" sz="3600" dirty="0">
+                <a:latin typeface="宋体" panose="02010600030101010101" pitchFamily="2" charset="-122"/>
+                <a:ea typeface="宋体" panose="02010600030101010101" pitchFamily="2" charset="-122"/>
+              </a:rPr>
+              <a:t>示例</a:t>
+            </a:r>
+          </a:p>
+        </p:txBody>
+      </p:sp>
+      <p:sp>
+        <p:nvSpPr>
+          <p:cNvPr id="3" name="内容占位符 2"/>
+          <p:cNvSpPr>
+            <a:spLocks noGrp="1"/>
+          </p:cNvSpPr>
+          <p:nvPr>
+            <p:ph idx="1"/>
+          </p:nvPr>
+        </p:nvSpPr>
+        <p:spPr>
+          <a:xfrm>
+            <a:off x="683568" y="771550"/>
+            <a:ext cx="7506834" cy="939551"/>
+          </a:xfrm>
+        </p:spPr>
+        <p:txBody>
+          <a:bodyPr>
+            <a:normAutofit/>
+          </a:bodyPr>
+          <a:lstStyle/>
+          <a:p>
+            <a:pPr>
+              <a:defRPr/>
+            </a:pPr>
+            <a:r>
+              <a:rPr lang="zh-CN" altLang="en-US" sz="2400" dirty="0">
+                <a:solidFill>
+                  <a:schemeClr val="tx1">
+                    <a:lumMod val="85000"/>
+                    <a:lumOff val="15000"/>
+                  </a:schemeClr>
+                </a:solidFill>
+                <a:latin typeface="+mn-ea"/>
+                <a:ea typeface="+mn-ea"/>
+              </a:rPr>
+              <a:t>框架布局</a:t>
+            </a:r>
+            <a:endParaRPr lang="en-US" altLang="zh-CN" sz="2400" dirty="0">
+              <a:solidFill>
+                <a:schemeClr val="tx1">
+                  <a:lumMod val="85000"/>
+                  <a:lumOff val="15000"/>
+                </a:schemeClr>
+              </a:solidFill>
+              <a:latin typeface="+mn-ea"/>
+              <a:ea typeface="+mn-ea"/>
+            </a:endParaRPr>
+          </a:p>
+          <a:p>
+            <a:pPr lvl="1">
+              <a:spcBef>
+                <a:spcPts val="0"/>
+              </a:spcBef>
+              <a:defRPr/>
+            </a:pPr>
+            <a:r>
+              <a:rPr lang="zh-CN" altLang="en-US" sz="2400" dirty="0">
+                <a:solidFill>
+                  <a:schemeClr val="tx1">
+                    <a:lumMod val="85000"/>
+                    <a:lumOff val="15000"/>
+                  </a:schemeClr>
+                </a:solidFill>
+                <a:latin typeface="+mn-ea"/>
+                <a:ea typeface="+mn-ea"/>
+              </a:rPr>
+              <a:t>框架布局在</a:t>
+            </a:r>
+            <a:r>
+              <a:rPr lang="en-US" sz="2400" dirty="0">
+                <a:solidFill>
+                  <a:schemeClr val="tx1">
+                    <a:lumMod val="85000"/>
+                    <a:lumOff val="15000"/>
+                  </a:schemeClr>
+                </a:solidFill>
+                <a:latin typeface="+mn-ea"/>
+                <a:ea typeface="+mn-ea"/>
+              </a:rPr>
+              <a:t>main.xml</a:t>
+            </a:r>
+            <a:r>
+              <a:rPr lang="zh-CN" altLang="en-US" sz="2400" dirty="0">
+                <a:solidFill>
+                  <a:schemeClr val="tx1">
+                    <a:lumMod val="85000"/>
+                    <a:lumOff val="15000"/>
+                  </a:schemeClr>
+                </a:solidFill>
+                <a:latin typeface="+mn-ea"/>
+                <a:ea typeface="+mn-ea"/>
+              </a:rPr>
+              <a:t>文件</a:t>
+            </a:r>
+            <a:r>
+              <a:rPr lang="zh-CN" altLang="en-US" sz="2400" dirty="0">
+                <a:solidFill>
+                  <a:schemeClr val="tx1">
+                    <a:lumMod val="85000"/>
+                    <a:lumOff val="15000"/>
+                  </a:schemeClr>
+                </a:solidFill>
+                <a:latin typeface="+mn-ea"/>
+                <a:ea typeface="+mn-ea"/>
+              </a:rPr>
+              <a:t>的代码示例如下</a:t>
+            </a:r>
+            <a:r>
+              <a:rPr lang="zh-CN" altLang="en-US" sz="2400" dirty="0">
+                <a:solidFill>
+                  <a:schemeClr val="tx1">
+                    <a:lumMod val="85000"/>
+                    <a:lumOff val="15000"/>
+                  </a:schemeClr>
+                </a:solidFill>
+                <a:latin typeface="+mn-ea"/>
+                <a:ea typeface="+mn-ea"/>
+              </a:rPr>
+              <a:t>：</a:t>
+            </a:r>
+          </a:p>
+        </p:txBody>
+      </p:sp>
+      <p:sp>
+        <p:nvSpPr>
+          <p:cNvPr id="5" name="矩形 4"/>
+          <p:cNvSpPr/>
+          <p:nvPr/>
+        </p:nvSpPr>
+        <p:spPr>
+          <a:xfrm>
+            <a:off x="1227154" y="1635646"/>
+            <a:ext cx="6642738" cy="3186354"/>
+          </a:xfrm>
+          <a:prstGeom prst="rect">
+            <a:avLst/>
+          </a:prstGeom>
+          <a:solidFill>
+            <a:schemeClr val="accent5">
+              <a:lumMod val="20000"/>
+              <a:lumOff val="80000"/>
+            </a:schemeClr>
+          </a:solidFill>
+          <a:ln w="38100">
+            <a:solidFill>
+              <a:schemeClr val="tx1">
+                <a:lumMod val="65000"/>
+                <a:lumOff val="35000"/>
+              </a:schemeClr>
+            </a:solidFill>
+          </a:ln>
+          <a:effectLst>
+            <a:outerShdw blurRad="50800" dist="38100" dir="2700000" algn="tl" rotWithShape="0">
+              <a:prstClr val="black">
+                <a:alpha val="40000"/>
+              </a:prstClr>
+            </a:outerShdw>
+          </a:effectLst>
+        </p:spPr>
+        <p:style>
+          <a:lnRef idx="2">
+            <a:schemeClr val="accent1">
+              <a:shade val="50000"/>
+            </a:schemeClr>
+          </a:lnRef>
+          <a:fillRef idx="1">
+            <a:schemeClr val="accent1"/>
+          </a:fillRef>
+          <a:effectRef idx="0">
+            <a:schemeClr val="accent1"/>
+          </a:effectRef>
+          <a:fontRef idx="minor">
+            <a:schemeClr val="lt1"/>
+          </a:fontRef>
+        </p:style>
+        <p:txBody>
+          <a:bodyPr lIns="68580" tIns="34290" rIns="68580" bIns="34290" rtlCol="0" anchor="ctr"/>
+          <a:lstStyle/>
+          <a:p>
+            <a:pPr marL="342900" indent="-342900">
+              <a:buFont typeface="+mj-lt"/>
+              <a:buAutoNum type="arabicPeriod"/>
+              <a:defRPr/>
+            </a:pPr>
+            <a:r>
+              <a:rPr lang="en-US" altLang="zh-CN" sz="1500" b="1" dirty="0">
+                <a:solidFill>
+                  <a:schemeClr val="tx1">
+                    <a:lumMod val="85000"/>
+                    <a:lumOff val="15000"/>
+                  </a:schemeClr>
+                </a:solidFill>
+                <a:latin typeface="Consolas" panose="020B0609020204030204" pitchFamily="49" charset="0"/>
+              </a:rPr>
+              <a:t>&lt;</a:t>
+            </a:r>
+            <a:r>
+              <a:rPr lang="en-US" altLang="zh-CN" sz="1500" b="1" dirty="0" err="1">
+                <a:solidFill>
+                  <a:schemeClr val="tx1">
+                    <a:lumMod val="85000"/>
+                    <a:lumOff val="15000"/>
+                  </a:schemeClr>
+                </a:solidFill>
+                <a:latin typeface="Consolas" panose="020B0609020204030204" pitchFamily="49" charset="0"/>
+              </a:rPr>
+              <a:t>FrameLayout</a:t>
+            </a:r>
+            <a:r>
+              <a:rPr lang="en-US" altLang="zh-CN" sz="1500" b="1" dirty="0">
+                <a:solidFill>
+                  <a:schemeClr val="tx1">
+                    <a:lumMod val="85000"/>
+                    <a:lumOff val="15000"/>
+                  </a:schemeClr>
+                </a:solidFill>
+                <a:latin typeface="Consolas" panose="020B0609020204030204" pitchFamily="49" charset="0"/>
+              </a:rPr>
+              <a:t> </a:t>
+            </a:r>
+            <a:r>
+              <a:rPr lang="en-US" altLang="zh-CN" sz="1500" b="1" dirty="0" err="1">
+                <a:solidFill>
+                  <a:schemeClr val="tx1">
+                    <a:lumMod val="85000"/>
+                    <a:lumOff val="15000"/>
+                  </a:schemeClr>
+                </a:solidFill>
+                <a:latin typeface="Consolas" panose="020B0609020204030204" pitchFamily="49" charset="0"/>
+              </a:rPr>
+              <a:t>android:layout_width</a:t>
+            </a:r>
+            <a:r>
+              <a:rPr lang="en-US" altLang="zh-CN" sz="1500" b="1" dirty="0">
+                <a:solidFill>
+                  <a:schemeClr val="tx1">
+                    <a:lumMod val="85000"/>
+                    <a:lumOff val="15000"/>
+                  </a:schemeClr>
+                </a:solidFill>
+                <a:latin typeface="Consolas" panose="020B0609020204030204" pitchFamily="49" charset="0"/>
+              </a:rPr>
+              <a:t>="</a:t>
+            </a:r>
+            <a:r>
+              <a:rPr lang="en-US" altLang="zh-CN" sz="1500" b="1" dirty="0" err="1">
+                <a:solidFill>
+                  <a:schemeClr val="tx1">
+                    <a:lumMod val="85000"/>
+                    <a:lumOff val="15000"/>
+                  </a:schemeClr>
+                </a:solidFill>
+                <a:latin typeface="Consolas" panose="020B0609020204030204" pitchFamily="49" charset="0"/>
+              </a:rPr>
+              <a:t>match_parent</a:t>
+            </a:r>
+            <a:r>
+              <a:rPr lang="en-US" altLang="zh-CN" sz="1500" b="1" dirty="0">
+                <a:solidFill>
+                  <a:schemeClr val="tx1">
+                    <a:lumMod val="85000"/>
+                    <a:lumOff val="15000"/>
+                  </a:schemeClr>
+                </a:solidFill>
+                <a:latin typeface="Consolas" panose="020B0609020204030204" pitchFamily="49" charset="0"/>
+              </a:rPr>
+              <a:t>"</a:t>
+            </a:r>
+          </a:p>
+          <a:p>
+            <a:pPr marL="342900" indent="-342900">
+              <a:buFont typeface="+mj-lt"/>
+              <a:buAutoNum type="arabicPeriod"/>
+              <a:defRPr/>
+            </a:pPr>
+            <a:r>
+              <a:rPr lang="en-US" altLang="zh-CN" sz="1500" b="1" dirty="0">
+                <a:solidFill>
+                  <a:schemeClr val="tx1">
+                    <a:lumMod val="85000"/>
+                    <a:lumOff val="15000"/>
+                  </a:schemeClr>
+                </a:solidFill>
+                <a:latin typeface="Consolas" panose="020B0609020204030204" pitchFamily="49" charset="0"/>
+              </a:rPr>
+              <a:t>    </a:t>
+            </a:r>
+            <a:r>
+              <a:rPr lang="en-US" altLang="zh-CN" sz="1500" b="1" dirty="0" err="1">
+                <a:solidFill>
+                  <a:schemeClr val="tx1">
+                    <a:lumMod val="85000"/>
+                    <a:lumOff val="15000"/>
+                  </a:schemeClr>
+                </a:solidFill>
+                <a:latin typeface="Consolas" panose="020B0609020204030204" pitchFamily="49" charset="0"/>
+              </a:rPr>
+              <a:t>android:layout_height</a:t>
+            </a:r>
+            <a:r>
+              <a:rPr lang="en-US" altLang="zh-CN" sz="1500" b="1" dirty="0">
+                <a:solidFill>
+                  <a:schemeClr val="tx1">
+                    <a:lumMod val="85000"/>
+                    <a:lumOff val="15000"/>
+                  </a:schemeClr>
+                </a:solidFill>
+                <a:latin typeface="Consolas" panose="020B0609020204030204" pitchFamily="49" charset="0"/>
+              </a:rPr>
+              <a:t>="</a:t>
+            </a:r>
+            <a:r>
+              <a:rPr lang="en-US" altLang="zh-CN" sz="1500" b="1" dirty="0" err="1">
+                <a:solidFill>
+                  <a:schemeClr val="tx1">
+                    <a:lumMod val="85000"/>
+                    <a:lumOff val="15000"/>
+                  </a:schemeClr>
+                </a:solidFill>
+                <a:latin typeface="Consolas" panose="020B0609020204030204" pitchFamily="49" charset="0"/>
+              </a:rPr>
+              <a:t>match_parent</a:t>
+            </a:r>
+            <a:r>
+              <a:rPr lang="en-US" altLang="zh-CN" sz="1500" b="1" dirty="0">
+                <a:solidFill>
+                  <a:schemeClr val="tx1">
+                    <a:lumMod val="85000"/>
+                    <a:lumOff val="15000"/>
+                  </a:schemeClr>
+                </a:solidFill>
+                <a:latin typeface="Consolas" panose="020B0609020204030204" pitchFamily="49" charset="0"/>
+              </a:rPr>
+              <a:t>"</a:t>
+            </a:r>
+          </a:p>
+          <a:p>
+            <a:pPr marL="342900" indent="-342900">
+              <a:buFont typeface="+mj-lt"/>
+              <a:buAutoNum type="arabicPeriod"/>
+              <a:defRPr/>
+            </a:pPr>
+            <a:r>
+              <a:rPr lang="en-US" altLang="zh-CN" sz="1500" b="1" dirty="0">
+                <a:solidFill>
+                  <a:schemeClr val="tx1">
+                    <a:lumMod val="85000"/>
+                    <a:lumOff val="15000"/>
+                  </a:schemeClr>
+                </a:solidFill>
+                <a:latin typeface="Consolas" panose="020B0609020204030204" pitchFamily="49" charset="0"/>
+              </a:rPr>
+              <a:t>    </a:t>
+            </a:r>
+            <a:r>
+              <a:rPr lang="en-US" altLang="zh-CN" sz="1500" b="1" dirty="0" err="1">
+                <a:solidFill>
+                  <a:srgbClr val="C00000"/>
+                </a:solidFill>
+                <a:latin typeface="Consolas" panose="020B0609020204030204" pitchFamily="49" charset="0"/>
+              </a:rPr>
+              <a:t>android:foreground</a:t>
+            </a:r>
+            <a:r>
+              <a:rPr lang="en-US" altLang="zh-CN" sz="1500" b="1" dirty="0">
+                <a:solidFill>
+                  <a:srgbClr val="C00000"/>
+                </a:solidFill>
+                <a:latin typeface="Consolas" panose="020B0609020204030204" pitchFamily="49" charset="0"/>
+              </a:rPr>
+              <a:t>="@</a:t>
+            </a:r>
+            <a:r>
+              <a:rPr lang="en-US" altLang="zh-CN" sz="1500" b="1" dirty="0" err="1">
+                <a:solidFill>
+                  <a:srgbClr val="C00000"/>
+                </a:solidFill>
+                <a:latin typeface="Consolas" panose="020B0609020204030204" pitchFamily="49" charset="0"/>
+              </a:rPr>
+              <a:t>drawable</a:t>
+            </a:r>
+            <a:r>
+              <a:rPr lang="en-US" altLang="zh-CN" sz="1500" b="1" dirty="0">
+                <a:solidFill>
+                  <a:srgbClr val="C00000"/>
+                </a:solidFill>
+                <a:latin typeface="Consolas" panose="020B0609020204030204" pitchFamily="49" charset="0"/>
+              </a:rPr>
+              <a:t>/logo"</a:t>
+            </a:r>
+          </a:p>
+          <a:p>
+            <a:pPr marL="342900" indent="-342900">
+              <a:buFont typeface="+mj-lt"/>
+              <a:buAutoNum type="arabicPeriod"/>
+              <a:defRPr/>
+            </a:pPr>
+            <a:r>
+              <a:rPr lang="en-US" altLang="zh-CN" sz="1500" b="1" dirty="0">
+                <a:solidFill>
+                  <a:schemeClr val="tx1">
+                    <a:lumMod val="85000"/>
+                    <a:lumOff val="15000"/>
+                  </a:schemeClr>
+                </a:solidFill>
+                <a:latin typeface="Consolas" panose="020B0609020204030204" pitchFamily="49" charset="0"/>
+              </a:rPr>
+              <a:t>    </a:t>
+            </a:r>
+            <a:r>
+              <a:rPr lang="en-US" altLang="zh-CN" sz="1500" b="1" dirty="0" err="1">
+                <a:solidFill>
+                  <a:srgbClr val="C00000"/>
+                </a:solidFill>
+                <a:latin typeface="Consolas" panose="020B0609020204030204" pitchFamily="49" charset="0"/>
+              </a:rPr>
+              <a:t>android:foregroundGravity</a:t>
+            </a:r>
+            <a:r>
+              <a:rPr lang="en-US" altLang="zh-CN" sz="1500" b="1" dirty="0">
+                <a:solidFill>
+                  <a:srgbClr val="C00000"/>
+                </a:solidFill>
+                <a:latin typeface="Consolas" panose="020B0609020204030204" pitchFamily="49" charset="0"/>
+              </a:rPr>
+              <a:t>="</a:t>
+            </a:r>
+            <a:r>
+              <a:rPr lang="en-US" altLang="zh-CN" sz="1500" b="1" dirty="0" err="1">
+                <a:solidFill>
+                  <a:srgbClr val="C00000"/>
+                </a:solidFill>
+                <a:latin typeface="Consolas" panose="020B0609020204030204" pitchFamily="49" charset="0"/>
+              </a:rPr>
+              <a:t>top|left</a:t>
+            </a:r>
+            <a:r>
+              <a:rPr lang="en-US" altLang="zh-CN" sz="1500" b="1" dirty="0">
+                <a:solidFill>
+                  <a:srgbClr val="C00000"/>
+                </a:solidFill>
+                <a:latin typeface="Consolas" panose="020B0609020204030204" pitchFamily="49" charset="0"/>
+              </a:rPr>
+              <a:t>"&gt;</a:t>
+            </a:r>
+          </a:p>
+          <a:p>
+            <a:pPr marL="342900" indent="-342900">
+              <a:buFont typeface="+mj-lt"/>
+              <a:buAutoNum type="arabicPeriod"/>
+              <a:defRPr/>
+            </a:pPr>
+            <a:r>
+              <a:rPr lang="en-US" altLang="zh-CN" sz="1500" b="1" dirty="0">
+                <a:solidFill>
+                  <a:schemeClr val="tx1">
+                    <a:lumMod val="85000"/>
+                    <a:lumOff val="15000"/>
+                  </a:schemeClr>
+                </a:solidFill>
+                <a:latin typeface="Consolas" panose="020B0609020204030204" pitchFamily="49" charset="0"/>
+              </a:rPr>
+              <a:t>    &lt;Button </a:t>
+            </a:r>
+            <a:r>
+              <a:rPr lang="en-US" altLang="zh-CN" sz="1500" b="1" dirty="0" err="1">
+                <a:solidFill>
+                  <a:schemeClr val="tx1">
+                    <a:lumMod val="85000"/>
+                    <a:lumOff val="15000"/>
+                  </a:schemeClr>
+                </a:solidFill>
+                <a:latin typeface="Consolas" panose="020B0609020204030204" pitchFamily="49" charset="0"/>
+              </a:rPr>
+              <a:t>android:layout_width</a:t>
+            </a:r>
+            <a:r>
+              <a:rPr lang="en-US" altLang="zh-CN" sz="1500" b="1" dirty="0">
+                <a:solidFill>
+                  <a:schemeClr val="tx1">
+                    <a:lumMod val="85000"/>
+                    <a:lumOff val="15000"/>
+                  </a:schemeClr>
+                </a:solidFill>
+                <a:latin typeface="Consolas" panose="020B0609020204030204" pitchFamily="49" charset="0"/>
+              </a:rPr>
+              <a:t>="150dp"</a:t>
+            </a:r>
+          </a:p>
+          <a:p>
+            <a:pPr marL="342900" indent="-342900">
+              <a:buFont typeface="+mj-lt"/>
+              <a:buAutoNum type="arabicPeriod"/>
+              <a:defRPr/>
+            </a:pPr>
+            <a:r>
+              <a:rPr lang="en-US" altLang="zh-CN" sz="1500" b="1" dirty="0">
+                <a:solidFill>
+                  <a:schemeClr val="tx1">
+                    <a:lumMod val="85000"/>
+                    <a:lumOff val="15000"/>
+                  </a:schemeClr>
+                </a:solidFill>
+                <a:latin typeface="Consolas" panose="020B0609020204030204" pitchFamily="49" charset="0"/>
+              </a:rPr>
+              <a:t>        </a:t>
+            </a:r>
+            <a:r>
+              <a:rPr lang="en-US" altLang="zh-CN" sz="1500" b="1" dirty="0" err="1">
+                <a:solidFill>
+                  <a:schemeClr val="tx1">
+                    <a:lumMod val="85000"/>
+                    <a:lumOff val="15000"/>
+                  </a:schemeClr>
+                </a:solidFill>
+                <a:latin typeface="Consolas" panose="020B0609020204030204" pitchFamily="49" charset="0"/>
+              </a:rPr>
+              <a:t>android:layout_height</a:t>
+            </a:r>
+            <a:r>
+              <a:rPr lang="en-US" altLang="zh-CN" sz="1500" b="1" dirty="0">
+                <a:solidFill>
+                  <a:schemeClr val="tx1">
+                    <a:lumMod val="85000"/>
+                    <a:lumOff val="15000"/>
+                  </a:schemeClr>
+                </a:solidFill>
+                <a:latin typeface="Consolas" panose="020B0609020204030204" pitchFamily="49" charset="0"/>
+              </a:rPr>
+              <a:t>="150dp"</a:t>
+            </a:r>
+          </a:p>
+          <a:p>
+            <a:pPr marL="342900" indent="-342900">
+              <a:buFont typeface="+mj-lt"/>
+              <a:buAutoNum type="arabicPeriod"/>
+              <a:defRPr/>
+            </a:pPr>
+            <a:r>
+              <a:rPr lang="en-US" altLang="zh-CN" sz="1500" b="1" dirty="0">
+                <a:solidFill>
+                  <a:schemeClr val="tx1">
+                    <a:lumMod val="85000"/>
+                    <a:lumOff val="15000"/>
+                  </a:schemeClr>
+                </a:solidFill>
+                <a:latin typeface="Consolas" panose="020B0609020204030204" pitchFamily="49" charset="0"/>
+              </a:rPr>
+              <a:t>        </a:t>
+            </a:r>
+            <a:r>
+              <a:rPr lang="en-US" altLang="zh-CN" sz="1500" b="1" dirty="0" err="1">
+                <a:solidFill>
+                  <a:schemeClr val="tx1">
+                    <a:lumMod val="85000"/>
+                    <a:lumOff val="15000"/>
+                  </a:schemeClr>
+                </a:solidFill>
+                <a:latin typeface="Consolas" panose="020B0609020204030204" pitchFamily="49" charset="0"/>
+              </a:rPr>
+              <a:t>android:background</a:t>
+            </a:r>
+            <a:r>
+              <a:rPr lang="en-US" altLang="zh-CN" sz="1500" b="1" dirty="0">
+                <a:solidFill>
+                  <a:schemeClr val="tx1">
+                    <a:lumMod val="85000"/>
+                    <a:lumOff val="15000"/>
+                  </a:schemeClr>
+                </a:solidFill>
+                <a:latin typeface="Consolas" panose="020B0609020204030204" pitchFamily="49" charset="0"/>
+              </a:rPr>
+              <a:t>="#0000FF"/&gt;</a:t>
+            </a:r>
+          </a:p>
+          <a:p>
+            <a:pPr marL="342900" indent="-342900">
+              <a:buFont typeface="+mj-lt"/>
+              <a:buAutoNum type="arabicPeriod"/>
+              <a:defRPr/>
+            </a:pPr>
+            <a:r>
+              <a:rPr lang="en-US" altLang="zh-CN" sz="1500" b="1" dirty="0">
+                <a:solidFill>
+                  <a:schemeClr val="tx1">
+                    <a:lumMod val="85000"/>
+                    <a:lumOff val="15000"/>
+                  </a:schemeClr>
+                </a:solidFill>
+                <a:latin typeface="Consolas" panose="020B0609020204030204" pitchFamily="49" charset="0"/>
+              </a:rPr>
+              <a:t>    &lt;Button </a:t>
+            </a:r>
+            <a:r>
+              <a:rPr lang="en-US" altLang="zh-CN" sz="1500" b="1" dirty="0" err="1">
+                <a:solidFill>
+                  <a:schemeClr val="tx1">
+                    <a:lumMod val="85000"/>
+                    <a:lumOff val="15000"/>
+                  </a:schemeClr>
+                </a:solidFill>
+                <a:latin typeface="Consolas" panose="020B0609020204030204" pitchFamily="49" charset="0"/>
+              </a:rPr>
+              <a:t>android:layout_width</a:t>
+            </a:r>
+            <a:r>
+              <a:rPr lang="en-US" altLang="zh-CN" sz="1500" b="1" dirty="0">
+                <a:solidFill>
+                  <a:schemeClr val="tx1">
+                    <a:lumMod val="85000"/>
+                    <a:lumOff val="15000"/>
+                  </a:schemeClr>
+                </a:solidFill>
+                <a:latin typeface="Consolas" panose="020B0609020204030204" pitchFamily="49" charset="0"/>
+              </a:rPr>
+              <a:t>="120dp"</a:t>
+            </a:r>
+          </a:p>
+          <a:p>
+            <a:pPr marL="342900" indent="-342900">
+              <a:buFont typeface="+mj-lt"/>
+              <a:buAutoNum type="arabicPeriod"/>
+              <a:defRPr/>
+            </a:pPr>
+            <a:r>
+              <a:rPr lang="en-US" altLang="zh-CN" sz="1500" b="1" dirty="0">
+                <a:solidFill>
+                  <a:schemeClr val="tx1">
+                    <a:lumMod val="85000"/>
+                    <a:lumOff val="15000"/>
+                  </a:schemeClr>
+                </a:solidFill>
+                <a:latin typeface="Consolas" panose="020B0609020204030204" pitchFamily="49" charset="0"/>
+              </a:rPr>
+              <a:t>        </a:t>
+            </a:r>
+            <a:r>
+              <a:rPr lang="en-US" altLang="zh-CN" sz="1500" b="1" dirty="0" err="1">
+                <a:solidFill>
+                  <a:schemeClr val="tx1">
+                    <a:lumMod val="85000"/>
+                    <a:lumOff val="15000"/>
+                  </a:schemeClr>
+                </a:solidFill>
+                <a:latin typeface="Consolas" panose="020B0609020204030204" pitchFamily="49" charset="0"/>
+              </a:rPr>
+              <a:t>android:layout_height</a:t>
+            </a:r>
+            <a:r>
+              <a:rPr lang="en-US" altLang="zh-CN" sz="1500" b="1" dirty="0">
+                <a:solidFill>
+                  <a:schemeClr val="tx1">
+                    <a:lumMod val="85000"/>
+                    <a:lumOff val="15000"/>
+                  </a:schemeClr>
+                </a:solidFill>
+                <a:latin typeface="Consolas" panose="020B0609020204030204" pitchFamily="49" charset="0"/>
+              </a:rPr>
+              <a:t>="120dp"</a:t>
+            </a:r>
+          </a:p>
+          <a:p>
+            <a:pPr marL="342900" indent="-342900">
+              <a:buFont typeface="+mj-lt"/>
+              <a:buAutoNum type="arabicPeriod"/>
+              <a:defRPr/>
+            </a:pPr>
+            <a:r>
+              <a:rPr lang="en-US" altLang="zh-CN" sz="1500" b="1" dirty="0">
+                <a:solidFill>
+                  <a:schemeClr val="tx1">
+                    <a:lumMod val="85000"/>
+                    <a:lumOff val="15000"/>
+                  </a:schemeClr>
+                </a:solidFill>
+                <a:latin typeface="Consolas" panose="020B0609020204030204" pitchFamily="49" charset="0"/>
+              </a:rPr>
+              <a:t>        </a:t>
+            </a:r>
+            <a:r>
+              <a:rPr lang="en-US" altLang="zh-CN" sz="1500" b="1" dirty="0" err="1">
+                <a:solidFill>
+                  <a:schemeClr val="tx1">
+                    <a:lumMod val="85000"/>
+                    <a:lumOff val="15000"/>
+                  </a:schemeClr>
+                </a:solidFill>
+                <a:latin typeface="Consolas" panose="020B0609020204030204" pitchFamily="49" charset="0"/>
+              </a:rPr>
+              <a:t>android:background</a:t>
+            </a:r>
+            <a:r>
+              <a:rPr lang="en-US" altLang="zh-CN" sz="1500" b="1" dirty="0">
+                <a:solidFill>
+                  <a:schemeClr val="tx1">
+                    <a:lumMod val="85000"/>
+                    <a:lumOff val="15000"/>
+                  </a:schemeClr>
+                </a:solidFill>
+                <a:latin typeface="Consolas" panose="020B0609020204030204" pitchFamily="49" charset="0"/>
+              </a:rPr>
+              <a:t>="#00FF00"/&gt;</a:t>
+            </a:r>
+          </a:p>
+          <a:p>
+            <a:pPr marL="342900" indent="-342900">
+              <a:buFont typeface="+mj-lt"/>
+              <a:buAutoNum type="arabicPeriod"/>
+              <a:defRPr/>
+            </a:pPr>
+            <a:r>
+              <a:rPr lang="en-US" altLang="zh-CN" sz="1500" b="1" dirty="0">
+                <a:solidFill>
+                  <a:schemeClr val="tx1">
+                    <a:lumMod val="85000"/>
+                    <a:lumOff val="15000"/>
+                  </a:schemeClr>
+                </a:solidFill>
+                <a:latin typeface="Consolas" panose="020B0609020204030204" pitchFamily="49" charset="0"/>
+              </a:rPr>
+              <a:t>    &lt;Button </a:t>
+            </a:r>
+            <a:r>
+              <a:rPr lang="en-US" altLang="zh-CN" sz="1500" b="1" dirty="0" err="1">
+                <a:solidFill>
+                  <a:schemeClr val="tx1">
+                    <a:lumMod val="85000"/>
+                    <a:lumOff val="15000"/>
+                  </a:schemeClr>
+                </a:solidFill>
+                <a:latin typeface="Consolas" panose="020B0609020204030204" pitchFamily="49" charset="0"/>
+              </a:rPr>
+              <a:t>android:layout_width</a:t>
+            </a:r>
+            <a:r>
+              <a:rPr lang="en-US" altLang="zh-CN" sz="1500" b="1" dirty="0">
+                <a:solidFill>
+                  <a:schemeClr val="tx1">
+                    <a:lumMod val="85000"/>
+                    <a:lumOff val="15000"/>
+                  </a:schemeClr>
+                </a:solidFill>
+                <a:latin typeface="Consolas" panose="020B0609020204030204" pitchFamily="49" charset="0"/>
+              </a:rPr>
+              <a:t>="90dp"</a:t>
+            </a:r>
+          </a:p>
+          <a:p>
+            <a:pPr marL="342900" indent="-342900">
+              <a:buFont typeface="+mj-lt"/>
+              <a:buAutoNum type="arabicPeriod"/>
+              <a:defRPr/>
+            </a:pPr>
+            <a:r>
+              <a:rPr lang="en-US" altLang="zh-CN" sz="1500" b="1" dirty="0">
+                <a:solidFill>
+                  <a:schemeClr val="tx1">
+                    <a:lumMod val="85000"/>
+                    <a:lumOff val="15000"/>
+                  </a:schemeClr>
+                </a:solidFill>
+                <a:latin typeface="Consolas" panose="020B0609020204030204" pitchFamily="49" charset="0"/>
+              </a:rPr>
+              <a:t>        </a:t>
+            </a:r>
+            <a:r>
+              <a:rPr lang="en-US" altLang="zh-CN" sz="1500" b="1" dirty="0" err="1">
+                <a:solidFill>
+                  <a:schemeClr val="tx1">
+                    <a:lumMod val="85000"/>
+                    <a:lumOff val="15000"/>
+                  </a:schemeClr>
+                </a:solidFill>
+                <a:latin typeface="Consolas" panose="020B0609020204030204" pitchFamily="49" charset="0"/>
+              </a:rPr>
+              <a:t>android:layout_height</a:t>
+            </a:r>
+            <a:r>
+              <a:rPr lang="en-US" altLang="zh-CN" sz="1500" b="1" dirty="0">
+                <a:solidFill>
+                  <a:schemeClr val="tx1">
+                    <a:lumMod val="85000"/>
+                    <a:lumOff val="15000"/>
+                  </a:schemeClr>
+                </a:solidFill>
+                <a:latin typeface="Consolas" panose="020B0609020204030204" pitchFamily="49" charset="0"/>
+              </a:rPr>
+              <a:t>="90dp"</a:t>
+            </a:r>
+          </a:p>
+          <a:p>
+            <a:pPr marL="342900" indent="-342900">
+              <a:buFont typeface="+mj-lt"/>
+              <a:buAutoNum type="arabicPeriod"/>
+              <a:defRPr/>
+            </a:pPr>
+            <a:r>
+              <a:rPr lang="en-US" altLang="zh-CN" sz="1500" b="1" dirty="0">
+                <a:solidFill>
+                  <a:schemeClr val="tx1">
+                    <a:lumMod val="85000"/>
+                    <a:lumOff val="15000"/>
+                  </a:schemeClr>
+                </a:solidFill>
+                <a:latin typeface="Consolas" panose="020B0609020204030204" pitchFamily="49" charset="0"/>
+              </a:rPr>
+              <a:t>        </a:t>
+            </a:r>
+            <a:r>
+              <a:rPr lang="en-US" altLang="zh-CN" sz="1500" b="1" dirty="0" err="1">
+                <a:solidFill>
+                  <a:schemeClr val="tx1">
+                    <a:lumMod val="85000"/>
+                    <a:lumOff val="15000"/>
+                  </a:schemeClr>
+                </a:solidFill>
+                <a:latin typeface="Consolas" panose="020B0609020204030204" pitchFamily="49" charset="0"/>
+              </a:rPr>
+              <a:t>android:background</a:t>
+            </a:r>
+            <a:r>
+              <a:rPr lang="en-US" altLang="zh-CN" sz="1500" b="1" dirty="0">
+                <a:solidFill>
+                  <a:schemeClr val="tx1">
+                    <a:lumMod val="85000"/>
+                    <a:lumOff val="15000"/>
+                  </a:schemeClr>
+                </a:solidFill>
+                <a:latin typeface="Consolas" panose="020B0609020204030204" pitchFamily="49" charset="0"/>
+              </a:rPr>
+              <a:t>="#FF0000"/&gt;</a:t>
+            </a:r>
+          </a:p>
+          <a:p>
+            <a:pPr marL="342900" indent="-342900">
+              <a:buFont typeface="+mj-lt"/>
+              <a:buAutoNum type="arabicPeriod"/>
+              <a:defRPr/>
+            </a:pPr>
+            <a:r>
+              <a:rPr lang="en-US" altLang="zh-CN" sz="1500" b="1" dirty="0">
+                <a:solidFill>
+                  <a:schemeClr val="tx1">
+                    <a:lumMod val="85000"/>
+                    <a:lumOff val="15000"/>
+                  </a:schemeClr>
+                </a:solidFill>
+                <a:latin typeface="Consolas" panose="020B0609020204030204" pitchFamily="49" charset="0"/>
+              </a:rPr>
+              <a:t>&lt;/</a:t>
+            </a:r>
+            <a:r>
+              <a:rPr lang="en-US" altLang="zh-CN" sz="1500" b="1" dirty="0" err="1">
+                <a:solidFill>
+                  <a:schemeClr val="tx1">
+                    <a:lumMod val="85000"/>
+                    <a:lumOff val="15000"/>
+                  </a:schemeClr>
+                </a:solidFill>
+                <a:latin typeface="Consolas" panose="020B0609020204030204" pitchFamily="49" charset="0"/>
+              </a:rPr>
+              <a:t>FrameLayout</a:t>
+            </a:r>
+            <a:r>
+              <a:rPr lang="en-US" altLang="zh-CN" sz="1500" b="1" dirty="0">
+                <a:solidFill>
+                  <a:schemeClr val="tx1">
+                    <a:lumMod val="85000"/>
+                    <a:lumOff val="15000"/>
+                  </a:schemeClr>
+                </a:solidFill>
+                <a:latin typeface="Consolas" panose="020B0609020204030204" pitchFamily="49" charset="0"/>
+              </a:rPr>
+              <a:t>&gt;</a:t>
+            </a:r>
+          </a:p>
+        </p:txBody>
+      </p:sp>
+    </p:spTree>
+    <p:extLst>
+      <p:ext uri="{BB962C8B-B14F-4D97-AF65-F5344CB8AC3E}">
+        <p14:creationId xmlns:p14="http://schemas.microsoft.com/office/powerpoint/2010/main" val="2283756669"/>
       </p:ext>
     </p:extLst>
   </p:cSld>
